--- a/slides/Heroku Intro.pptx
+++ b/slides/Heroku Intro.pptx
@@ -3,19 +3,18 @@
 <p:presentation xmlns:a="http://schemas.openxmlformats.org/drawingml/2006/main" xmlns:p="http://schemas.openxmlformats.org/presentationml/2006/main" xmlns:r="http://schemas.openxmlformats.org/officeDocument/2006/relationships" xmlns:p14="http://schemas.microsoft.com/office/powerpoint/2010/main" xmlns:p15="http://schemas.microsoft.com/office/powerpoint/2012/main" xmlns:mc="http://schemas.openxmlformats.org/markup-compatibility/2006">
   <p:sldMasterIdLst>
     <p:sldMasterId id="2147483648" r:id="rId2"/>
+    <p:sldMasterId id="2147483661" r:id="rId3"/>
   </p:sldMasterIdLst>
   <p:sldIdLst>
-    <p:sldId id="256" r:id="rId3"/>
-    <p:sldId id="257" r:id="rId4"/>
-    <p:sldId id="258" r:id="rId5"/>
-    <p:sldId id="259" r:id="rId6"/>
-    <p:sldId id="260" r:id="rId7"/>
-    <p:sldId id="261" r:id="rId8"/>
-    <p:sldId id="262" r:id="rId9"/>
-    <p:sldId id="263" r:id="rId10"/>
-    <p:sldId id="264" r:id="rId11"/>
-    <p:sldId id="265" r:id="rId12"/>
-    <p:sldId id="266" r:id="rId13"/>
+    <p:sldId id="256" r:id="rId4"/>
+    <p:sldId id="257" r:id="rId5"/>
+    <p:sldId id="258" r:id="rId6"/>
+    <p:sldId id="259" r:id="rId7"/>
+    <p:sldId id="260" r:id="rId8"/>
+    <p:sldId id="261" r:id="rId9"/>
+    <p:sldId id="262" r:id="rId10"/>
+    <p:sldId id="263" r:id="rId11"/>
+    <p:sldId id="264" r:id="rId12"/>
   </p:sldIdLst>
   <p:sldSz cx="10080625" cy="7559675"/>
   <p:notesSz cx="7772400" cy="10058400"/>
@@ -63,7 +62,7 @@
       </p:grpSpPr>
       <p:sp>
         <p:nvSpPr>
-          <p:cNvPr id="26" name="PlaceHolder 1"/>
+          <p:cNvPr id="23" name="PlaceHolder 1"/>
           <p:cNvSpPr>
             <a:spLocks noGrp="1"/>
           </p:cNvSpPr>
@@ -74,7 +73,7 @@
         <p:spPr>
           <a:xfrm>
             <a:off x="504000" y="301320"/>
-            <a:ext cx="9071640" cy="1262160"/>
+            <a:ext cx="9072000" cy="1261800"/>
           </a:xfrm>
           <a:prstGeom prst="rect">
             <a:avLst/>
@@ -100,7 +99,7 @@
       </p:sp>
       <p:sp>
         <p:nvSpPr>
-          <p:cNvPr id="27" name="PlaceHolder 2"/>
+          <p:cNvPr id="24" name="PlaceHolder 2"/>
           <p:cNvSpPr>
             <a:spLocks noGrp="1"/>
           </p:cNvSpPr>
@@ -110,8 +109,8 @@
         </p:nvSpPr>
         <p:spPr>
           <a:xfrm>
-            <a:off x="504000" y="1769040"/>
-            <a:ext cx="9071640" cy="2091240"/>
+            <a:off x="504000" y="1768680"/>
+            <a:ext cx="9072000" cy="2090880"/>
           </a:xfrm>
           <a:prstGeom prst="rect">
             <a:avLst/>
@@ -136,7 +135,7 @@
       </p:sp>
       <p:sp>
         <p:nvSpPr>
-          <p:cNvPr id="28" name="PlaceHolder 3"/>
+          <p:cNvPr id="25" name="PlaceHolder 3"/>
           <p:cNvSpPr>
             <a:spLocks noGrp="1"/>
           </p:cNvSpPr>
@@ -146,8 +145,8 @@
         </p:nvSpPr>
         <p:spPr>
           <a:xfrm>
-            <a:off x="504000" y="4059360"/>
-            <a:ext cx="9071640" cy="2091240"/>
+            <a:off x="504000" y="4058640"/>
+            <a:ext cx="9072000" cy="2090880"/>
           </a:xfrm>
           <a:prstGeom prst="rect">
             <a:avLst/>
@@ -194,7 +193,7 @@
       </p:grpSpPr>
       <p:sp>
         <p:nvSpPr>
-          <p:cNvPr id="29" name="PlaceHolder 1"/>
+          <p:cNvPr id="26" name="PlaceHolder 1"/>
           <p:cNvSpPr>
             <a:spLocks noGrp="1"/>
           </p:cNvSpPr>
@@ -205,7 +204,7 @@
         <p:spPr>
           <a:xfrm>
             <a:off x="504000" y="301320"/>
-            <a:ext cx="9071640" cy="1262160"/>
+            <a:ext cx="9072000" cy="1261800"/>
           </a:xfrm>
           <a:prstGeom prst="rect">
             <a:avLst/>
@@ -231,7 +230,7 @@
       </p:sp>
       <p:sp>
         <p:nvSpPr>
-          <p:cNvPr id="30" name="PlaceHolder 2"/>
+          <p:cNvPr id="27" name="PlaceHolder 2"/>
           <p:cNvSpPr>
             <a:spLocks noGrp="1"/>
           </p:cNvSpPr>
@@ -241,8 +240,8 @@
         </p:nvSpPr>
         <p:spPr>
           <a:xfrm>
-            <a:off x="504000" y="1769040"/>
-            <a:ext cx="4426920" cy="2091240"/>
+            <a:off x="504000" y="1768680"/>
+            <a:ext cx="4426920" cy="2090880"/>
           </a:xfrm>
           <a:prstGeom prst="rect">
             <a:avLst/>
@@ -267,7 +266,7 @@
       </p:sp>
       <p:sp>
         <p:nvSpPr>
-          <p:cNvPr id="31" name="PlaceHolder 3"/>
+          <p:cNvPr id="28" name="PlaceHolder 3"/>
           <p:cNvSpPr>
             <a:spLocks noGrp="1"/>
           </p:cNvSpPr>
@@ -277,8 +276,8 @@
         </p:nvSpPr>
         <p:spPr>
           <a:xfrm>
-            <a:off x="5152680" y="1769040"/>
-            <a:ext cx="4426920" cy="2091240"/>
+            <a:off x="5152680" y="1768680"/>
+            <a:ext cx="4426920" cy="2090880"/>
           </a:xfrm>
           <a:prstGeom prst="rect">
             <a:avLst/>
@@ -303,7 +302,7 @@
       </p:sp>
       <p:sp>
         <p:nvSpPr>
-          <p:cNvPr id="32" name="PlaceHolder 4"/>
+          <p:cNvPr id="29" name="PlaceHolder 4"/>
           <p:cNvSpPr>
             <a:spLocks noGrp="1"/>
           </p:cNvSpPr>
@@ -313,8 +312,8 @@
         </p:nvSpPr>
         <p:spPr>
           <a:xfrm>
-            <a:off x="5152680" y="4059360"/>
-            <a:ext cx="4426920" cy="2091240"/>
+            <a:off x="5152680" y="4058640"/>
+            <a:ext cx="4426920" cy="2090880"/>
           </a:xfrm>
           <a:prstGeom prst="rect">
             <a:avLst/>
@@ -339,7 +338,7 @@
       </p:sp>
       <p:sp>
         <p:nvSpPr>
-          <p:cNvPr id="33" name="PlaceHolder 5"/>
+          <p:cNvPr id="30" name="PlaceHolder 5"/>
           <p:cNvSpPr>
             <a:spLocks noGrp="1"/>
           </p:cNvSpPr>
@@ -349,8 +348,8 @@
         </p:nvSpPr>
         <p:spPr>
           <a:xfrm>
-            <a:off x="504000" y="4059360"/>
-            <a:ext cx="4426920" cy="2091240"/>
+            <a:off x="504000" y="4058640"/>
+            <a:ext cx="4426920" cy="2090880"/>
           </a:xfrm>
           <a:prstGeom prst="rect">
             <a:avLst/>
@@ -397,7 +396,7 @@
       </p:grpSpPr>
       <p:sp>
         <p:nvSpPr>
-          <p:cNvPr id="34" name="PlaceHolder 1"/>
+          <p:cNvPr id="31" name="PlaceHolder 1"/>
           <p:cNvSpPr>
             <a:spLocks noGrp="1"/>
           </p:cNvSpPr>
@@ -408,7 +407,7 @@
         <p:spPr>
           <a:xfrm>
             <a:off x="504000" y="301320"/>
-            <a:ext cx="9071640" cy="1262160"/>
+            <a:ext cx="9072000" cy="1261800"/>
           </a:xfrm>
           <a:prstGeom prst="rect">
             <a:avLst/>
@@ -434,7 +433,7 @@
       </p:sp>
       <p:sp>
         <p:nvSpPr>
-          <p:cNvPr id="35" name="PlaceHolder 2"/>
+          <p:cNvPr id="32" name="PlaceHolder 2"/>
           <p:cNvSpPr>
             <a:spLocks noGrp="1"/>
           </p:cNvSpPr>
@@ -444,8 +443,8 @@
         </p:nvSpPr>
         <p:spPr>
           <a:xfrm>
-            <a:off x="504000" y="1769040"/>
-            <a:ext cx="9071640" cy="4384440"/>
+            <a:off x="504000" y="1768680"/>
+            <a:ext cx="9072000" cy="4384080"/>
           </a:xfrm>
           <a:prstGeom prst="rect">
             <a:avLst/>
@@ -470,7 +469,7 @@
       </p:sp>
       <p:sp>
         <p:nvSpPr>
-          <p:cNvPr id="36" name="PlaceHolder 3"/>
+          <p:cNvPr id="33" name="PlaceHolder 3"/>
           <p:cNvSpPr>
             <a:spLocks noGrp="1"/>
           </p:cNvSpPr>
@@ -480,8 +479,8 @@
         </p:nvSpPr>
         <p:spPr>
           <a:xfrm>
-            <a:off x="504000" y="1769040"/>
-            <a:ext cx="9071640" cy="4384440"/>
+            <a:off x="504000" y="1768680"/>
+            <a:ext cx="9072000" cy="4384080"/>
           </a:xfrm>
           <a:prstGeom prst="rect">
             <a:avLst/>
@@ -506,7 +505,7 @@
       </p:sp>
       <p:pic>
         <p:nvPicPr>
-          <p:cNvPr id="37" name="" descr=""/>
+          <p:cNvPr id="34" name="" descr=""/>
           <p:cNvPicPr/>
           <p:nvPr/>
         </p:nvPicPr>
@@ -516,8 +515,8 @@
         </p:blipFill>
         <p:spPr>
           <a:xfrm>
-            <a:off x="2292120" y="1768680"/>
-            <a:ext cx="5495040" cy="4384440"/>
+            <a:off x="2292480" y="1768680"/>
+            <a:ext cx="5494680" cy="4384080"/>
           </a:xfrm>
           <a:prstGeom prst="rect">
             <a:avLst/>
@@ -529,7 +528,7 @@
       </p:pic>
       <p:pic>
         <p:nvPicPr>
-          <p:cNvPr id="38" name="" descr=""/>
+          <p:cNvPr id="35" name="" descr=""/>
           <p:cNvPicPr/>
           <p:nvPr/>
         </p:nvPicPr>
@@ -539,8 +538,8 @@
         </p:blipFill>
         <p:spPr>
           <a:xfrm>
-            <a:off x="2292120" y="1768680"/>
-            <a:ext cx="5495040" cy="4384440"/>
+            <a:off x="2292480" y="1768680"/>
+            <a:ext cx="5494680" cy="4384080"/>
           </a:xfrm>
           <a:prstGeom prst="rect">
             <a:avLst/>
@@ -550,6 +549,635 @@
           </a:ln>
         </p:spPr>
       </p:pic>
+    </p:spTree>
+  </p:cSld>
+</p:sldLayout>
+</file>
+
+<file path=ppt/slideLayouts/slideLayout13.xml><?xml version="1.0" encoding="utf-8"?>
+<p:sldLayout xmlns:a="http://schemas.openxmlformats.org/drawingml/2006/main" xmlns:p="http://schemas.openxmlformats.org/presentationml/2006/main" xmlns:r="http://schemas.openxmlformats.org/officeDocument/2006/relationships" xmlns:p14="http://schemas.microsoft.com/office/powerpoint/2010/main" xmlns:p15="http://schemas.microsoft.com/office/powerpoint/2012/main" xmlns:mc="http://schemas.openxmlformats.org/markup-compatibility/2006" type="blank" preserve="1">
+  <p:cSld name="Blank Slide">
+    <p:spTree>
+      <p:nvGrpSpPr>
+        <p:cNvPr id="1" name=""/>
+        <p:cNvGrpSpPr/>
+        <p:nvPr/>
+      </p:nvGrpSpPr>
+      <p:grpSpPr>
+        <a:xfrm>
+          <a:off x="0" y="0"/>
+          <a:ext cx="0" cy="0"/>
+          <a:chOff x="0" y="0"/>
+          <a:chExt cx="0" cy="0"/>
+        </a:xfrm>
+      </p:grpSpPr>
+    </p:spTree>
+  </p:cSld>
+</p:sldLayout>
+</file>
+
+<file path=ppt/slideLayouts/slideLayout14.xml><?xml version="1.0" encoding="utf-8"?>
+<p:sldLayout xmlns:a="http://schemas.openxmlformats.org/drawingml/2006/main" xmlns:p="http://schemas.openxmlformats.org/presentationml/2006/main" xmlns:r="http://schemas.openxmlformats.org/officeDocument/2006/relationships" xmlns:p14="http://schemas.microsoft.com/office/powerpoint/2010/main" xmlns:p15="http://schemas.microsoft.com/office/powerpoint/2012/main" xmlns:mc="http://schemas.openxmlformats.org/markup-compatibility/2006" type="tx" preserve="1">
+  <p:cSld name="Title Slide">
+    <p:spTree>
+      <p:nvGrpSpPr>
+        <p:cNvPr id="1" name=""/>
+        <p:cNvGrpSpPr/>
+        <p:nvPr/>
+      </p:nvGrpSpPr>
+      <p:grpSpPr>
+        <a:xfrm>
+          <a:off x="0" y="0"/>
+          <a:ext cx="0" cy="0"/>
+          <a:chOff x="0" y="0"/>
+          <a:chExt cx="0" cy="0"/>
+        </a:xfrm>
+      </p:grpSpPr>
+      <p:sp>
+        <p:nvSpPr>
+          <p:cNvPr id="38" name="PlaceHolder 1"/>
+          <p:cNvSpPr>
+            <a:spLocks noGrp="1"/>
+          </p:cNvSpPr>
+          <p:nvPr>
+            <p:ph type="title"/>
+          </p:nvPr>
+        </p:nvSpPr>
+        <p:spPr>
+          <a:xfrm>
+            <a:off x="504000" y="301320"/>
+            <a:ext cx="9072000" cy="1261800"/>
+          </a:xfrm>
+          <a:prstGeom prst="rect">
+            <a:avLst/>
+          </a:prstGeom>
+        </p:spPr>
+        <p:txBody>
+          <a:bodyPr lIns="0" rIns="0" tIns="0" bIns="0" anchor="ctr"/>
+          <a:p>
+            <a:pPr algn="ctr"/>
+            <a:endParaRPr b="0" lang="en-US" sz="4400" spc="-1" strike="noStrike">
+              <a:solidFill>
+                <a:srgbClr val="000000"/>
+              </a:solidFill>
+              <a:uFill>
+                <a:solidFill>
+                  <a:srgbClr val="ffffff"/>
+                </a:solidFill>
+              </a:uFill>
+              <a:latin typeface="Arial"/>
+            </a:endParaRPr>
+          </a:p>
+        </p:txBody>
+      </p:sp>
+      <p:sp>
+        <p:nvSpPr>
+          <p:cNvPr id="39" name="PlaceHolder 2"/>
+          <p:cNvSpPr>
+            <a:spLocks noGrp="1"/>
+          </p:cNvSpPr>
+          <p:nvPr>
+            <p:ph type="subTitle"/>
+          </p:nvPr>
+        </p:nvSpPr>
+        <p:spPr>
+          <a:xfrm>
+            <a:off x="504000" y="1768680"/>
+            <a:ext cx="9072000" cy="4384080"/>
+          </a:xfrm>
+          <a:prstGeom prst="rect">
+            <a:avLst/>
+          </a:prstGeom>
+        </p:spPr>
+        <p:txBody>
+          <a:bodyPr lIns="0" rIns="0" tIns="0" bIns="0" anchor="ctr"/>
+          <a:p>
+            <a:pPr algn="ctr"/>
+            <a:endParaRPr b="0" lang="en-US" sz="3200" spc="-1" strike="noStrike">
+              <a:solidFill>
+                <a:srgbClr val="000000"/>
+              </a:solidFill>
+              <a:uFill>
+                <a:solidFill>
+                  <a:srgbClr val="ffffff"/>
+                </a:solidFill>
+              </a:uFill>
+              <a:latin typeface="Arial"/>
+            </a:endParaRPr>
+          </a:p>
+        </p:txBody>
+      </p:sp>
+    </p:spTree>
+  </p:cSld>
+</p:sldLayout>
+</file>
+
+<file path=ppt/slideLayouts/slideLayout15.xml><?xml version="1.0" encoding="utf-8"?>
+<p:sldLayout xmlns:a="http://schemas.openxmlformats.org/drawingml/2006/main" xmlns:p="http://schemas.openxmlformats.org/presentationml/2006/main" xmlns:r="http://schemas.openxmlformats.org/officeDocument/2006/relationships" xmlns:p14="http://schemas.microsoft.com/office/powerpoint/2010/main" xmlns:p15="http://schemas.microsoft.com/office/powerpoint/2012/main" xmlns:mc="http://schemas.openxmlformats.org/markup-compatibility/2006" type="obj" preserve="1">
+  <p:cSld name="Title, Content">
+    <p:spTree>
+      <p:nvGrpSpPr>
+        <p:cNvPr id="1" name=""/>
+        <p:cNvGrpSpPr/>
+        <p:nvPr/>
+      </p:nvGrpSpPr>
+      <p:grpSpPr>
+        <a:xfrm>
+          <a:off x="0" y="0"/>
+          <a:ext cx="0" cy="0"/>
+          <a:chOff x="0" y="0"/>
+          <a:chExt cx="0" cy="0"/>
+        </a:xfrm>
+      </p:grpSpPr>
+      <p:sp>
+        <p:nvSpPr>
+          <p:cNvPr id="40" name="PlaceHolder 1"/>
+          <p:cNvSpPr>
+            <a:spLocks noGrp="1"/>
+          </p:cNvSpPr>
+          <p:nvPr>
+            <p:ph type="title"/>
+          </p:nvPr>
+        </p:nvSpPr>
+        <p:spPr>
+          <a:xfrm>
+            <a:off x="504000" y="301320"/>
+            <a:ext cx="9072000" cy="1261800"/>
+          </a:xfrm>
+          <a:prstGeom prst="rect">
+            <a:avLst/>
+          </a:prstGeom>
+        </p:spPr>
+        <p:txBody>
+          <a:bodyPr lIns="0" rIns="0" tIns="0" bIns="0" anchor="ctr"/>
+          <a:p>
+            <a:pPr algn="ctr"/>
+            <a:endParaRPr b="0" lang="en-US" sz="4400" spc="-1" strike="noStrike">
+              <a:solidFill>
+                <a:srgbClr val="000000"/>
+              </a:solidFill>
+              <a:uFill>
+                <a:solidFill>
+                  <a:srgbClr val="ffffff"/>
+                </a:solidFill>
+              </a:uFill>
+              <a:latin typeface="Arial"/>
+            </a:endParaRPr>
+          </a:p>
+        </p:txBody>
+      </p:sp>
+      <p:sp>
+        <p:nvSpPr>
+          <p:cNvPr id="41" name="PlaceHolder 2"/>
+          <p:cNvSpPr>
+            <a:spLocks noGrp="1"/>
+          </p:cNvSpPr>
+          <p:nvPr>
+            <p:ph type="body"/>
+          </p:nvPr>
+        </p:nvSpPr>
+        <p:spPr>
+          <a:xfrm>
+            <a:off x="504000" y="1768680"/>
+            <a:ext cx="9072000" cy="4384080"/>
+          </a:xfrm>
+          <a:prstGeom prst="rect">
+            <a:avLst/>
+          </a:prstGeom>
+        </p:spPr>
+        <p:txBody>
+          <a:bodyPr lIns="0" rIns="0" tIns="0" bIns="0"/>
+          <a:p>
+            <a:endParaRPr b="0" lang="en-US" sz="3200" spc="-1" strike="noStrike">
+              <a:solidFill>
+                <a:srgbClr val="000000"/>
+              </a:solidFill>
+              <a:uFill>
+                <a:solidFill>
+                  <a:srgbClr val="ffffff"/>
+                </a:solidFill>
+              </a:uFill>
+              <a:latin typeface="Arial"/>
+            </a:endParaRPr>
+          </a:p>
+        </p:txBody>
+      </p:sp>
+    </p:spTree>
+  </p:cSld>
+</p:sldLayout>
+</file>
+
+<file path=ppt/slideLayouts/slideLayout16.xml><?xml version="1.0" encoding="utf-8"?>
+<p:sldLayout xmlns:a="http://schemas.openxmlformats.org/drawingml/2006/main" xmlns:p="http://schemas.openxmlformats.org/presentationml/2006/main" xmlns:r="http://schemas.openxmlformats.org/officeDocument/2006/relationships" xmlns:p14="http://schemas.microsoft.com/office/powerpoint/2010/main" xmlns:p15="http://schemas.microsoft.com/office/powerpoint/2012/main" xmlns:mc="http://schemas.openxmlformats.org/markup-compatibility/2006" type="twoObj" preserve="1">
+  <p:cSld name="Title, 2 Content">
+    <p:spTree>
+      <p:nvGrpSpPr>
+        <p:cNvPr id="1" name=""/>
+        <p:cNvGrpSpPr/>
+        <p:nvPr/>
+      </p:nvGrpSpPr>
+      <p:grpSpPr>
+        <a:xfrm>
+          <a:off x="0" y="0"/>
+          <a:ext cx="0" cy="0"/>
+          <a:chOff x="0" y="0"/>
+          <a:chExt cx="0" cy="0"/>
+        </a:xfrm>
+      </p:grpSpPr>
+      <p:sp>
+        <p:nvSpPr>
+          <p:cNvPr id="42" name="PlaceHolder 1"/>
+          <p:cNvSpPr>
+            <a:spLocks noGrp="1"/>
+          </p:cNvSpPr>
+          <p:nvPr>
+            <p:ph type="title"/>
+          </p:nvPr>
+        </p:nvSpPr>
+        <p:spPr>
+          <a:xfrm>
+            <a:off x="504000" y="301320"/>
+            <a:ext cx="9072000" cy="1261800"/>
+          </a:xfrm>
+          <a:prstGeom prst="rect">
+            <a:avLst/>
+          </a:prstGeom>
+        </p:spPr>
+        <p:txBody>
+          <a:bodyPr lIns="0" rIns="0" tIns="0" bIns="0" anchor="ctr"/>
+          <a:p>
+            <a:pPr algn="ctr"/>
+            <a:endParaRPr b="0" lang="en-US" sz="4400" spc="-1" strike="noStrike">
+              <a:solidFill>
+                <a:srgbClr val="000000"/>
+              </a:solidFill>
+              <a:uFill>
+                <a:solidFill>
+                  <a:srgbClr val="ffffff"/>
+                </a:solidFill>
+              </a:uFill>
+              <a:latin typeface="Arial"/>
+            </a:endParaRPr>
+          </a:p>
+        </p:txBody>
+      </p:sp>
+      <p:sp>
+        <p:nvSpPr>
+          <p:cNvPr id="43" name="PlaceHolder 2"/>
+          <p:cNvSpPr>
+            <a:spLocks noGrp="1"/>
+          </p:cNvSpPr>
+          <p:nvPr>
+            <p:ph type="body"/>
+          </p:nvPr>
+        </p:nvSpPr>
+        <p:spPr>
+          <a:xfrm>
+            <a:off x="504000" y="1768680"/>
+            <a:ext cx="4426920" cy="4384080"/>
+          </a:xfrm>
+          <a:prstGeom prst="rect">
+            <a:avLst/>
+          </a:prstGeom>
+        </p:spPr>
+        <p:txBody>
+          <a:bodyPr lIns="0" rIns="0" tIns="0" bIns="0"/>
+          <a:p>
+            <a:endParaRPr b="0" lang="en-US" sz="3200" spc="-1" strike="noStrike">
+              <a:solidFill>
+                <a:srgbClr val="000000"/>
+              </a:solidFill>
+              <a:uFill>
+                <a:solidFill>
+                  <a:srgbClr val="ffffff"/>
+                </a:solidFill>
+              </a:uFill>
+              <a:latin typeface="Arial"/>
+            </a:endParaRPr>
+          </a:p>
+        </p:txBody>
+      </p:sp>
+      <p:sp>
+        <p:nvSpPr>
+          <p:cNvPr id="44" name="PlaceHolder 3"/>
+          <p:cNvSpPr>
+            <a:spLocks noGrp="1"/>
+          </p:cNvSpPr>
+          <p:nvPr>
+            <p:ph type="body"/>
+          </p:nvPr>
+        </p:nvSpPr>
+        <p:spPr>
+          <a:xfrm>
+            <a:off x="5152680" y="1768680"/>
+            <a:ext cx="4426920" cy="4384080"/>
+          </a:xfrm>
+          <a:prstGeom prst="rect">
+            <a:avLst/>
+          </a:prstGeom>
+        </p:spPr>
+        <p:txBody>
+          <a:bodyPr lIns="0" rIns="0" tIns="0" bIns="0"/>
+          <a:p>
+            <a:endParaRPr b="0" lang="en-US" sz="3200" spc="-1" strike="noStrike">
+              <a:solidFill>
+                <a:srgbClr val="000000"/>
+              </a:solidFill>
+              <a:uFill>
+                <a:solidFill>
+                  <a:srgbClr val="ffffff"/>
+                </a:solidFill>
+              </a:uFill>
+              <a:latin typeface="Arial"/>
+            </a:endParaRPr>
+          </a:p>
+        </p:txBody>
+      </p:sp>
+    </p:spTree>
+  </p:cSld>
+</p:sldLayout>
+</file>
+
+<file path=ppt/slideLayouts/slideLayout17.xml><?xml version="1.0" encoding="utf-8"?>
+<p:sldLayout xmlns:a="http://schemas.openxmlformats.org/drawingml/2006/main" xmlns:p="http://schemas.openxmlformats.org/presentationml/2006/main" xmlns:r="http://schemas.openxmlformats.org/officeDocument/2006/relationships" xmlns:p14="http://schemas.microsoft.com/office/powerpoint/2010/main" xmlns:p15="http://schemas.microsoft.com/office/powerpoint/2012/main" xmlns:mc="http://schemas.openxmlformats.org/markup-compatibility/2006" type="titleOnly" preserve="1">
+  <p:cSld name="Title Only">
+    <p:spTree>
+      <p:nvGrpSpPr>
+        <p:cNvPr id="1" name=""/>
+        <p:cNvGrpSpPr/>
+        <p:nvPr/>
+      </p:nvGrpSpPr>
+      <p:grpSpPr>
+        <a:xfrm>
+          <a:off x="0" y="0"/>
+          <a:ext cx="0" cy="0"/>
+          <a:chOff x="0" y="0"/>
+          <a:chExt cx="0" cy="0"/>
+        </a:xfrm>
+      </p:grpSpPr>
+      <p:sp>
+        <p:nvSpPr>
+          <p:cNvPr id="45" name="PlaceHolder 1"/>
+          <p:cNvSpPr>
+            <a:spLocks noGrp="1"/>
+          </p:cNvSpPr>
+          <p:nvPr>
+            <p:ph type="title"/>
+          </p:nvPr>
+        </p:nvSpPr>
+        <p:spPr>
+          <a:xfrm>
+            <a:off x="504000" y="301320"/>
+            <a:ext cx="9072000" cy="1261800"/>
+          </a:xfrm>
+          <a:prstGeom prst="rect">
+            <a:avLst/>
+          </a:prstGeom>
+        </p:spPr>
+        <p:txBody>
+          <a:bodyPr lIns="0" rIns="0" tIns="0" bIns="0" anchor="ctr"/>
+          <a:p>
+            <a:pPr algn="ctr"/>
+            <a:endParaRPr b="0" lang="en-US" sz="4400" spc="-1" strike="noStrike">
+              <a:solidFill>
+                <a:srgbClr val="000000"/>
+              </a:solidFill>
+              <a:uFill>
+                <a:solidFill>
+                  <a:srgbClr val="ffffff"/>
+                </a:solidFill>
+              </a:uFill>
+              <a:latin typeface="Arial"/>
+            </a:endParaRPr>
+          </a:p>
+        </p:txBody>
+      </p:sp>
+    </p:spTree>
+  </p:cSld>
+</p:sldLayout>
+</file>
+
+<file path=ppt/slideLayouts/slideLayout18.xml><?xml version="1.0" encoding="utf-8"?>
+<p:sldLayout xmlns:a="http://schemas.openxmlformats.org/drawingml/2006/main" xmlns:p="http://schemas.openxmlformats.org/presentationml/2006/main" xmlns:r="http://schemas.openxmlformats.org/officeDocument/2006/relationships" xmlns:p14="http://schemas.microsoft.com/office/powerpoint/2010/main" xmlns:p15="http://schemas.microsoft.com/office/powerpoint/2012/main" xmlns:mc="http://schemas.openxmlformats.org/markup-compatibility/2006" type="objOnly" preserve="1">
+  <p:cSld name="Centered Text">
+    <p:spTree>
+      <p:nvGrpSpPr>
+        <p:cNvPr id="1" name=""/>
+        <p:cNvGrpSpPr/>
+        <p:nvPr/>
+      </p:nvGrpSpPr>
+      <p:grpSpPr>
+        <a:xfrm>
+          <a:off x="0" y="0"/>
+          <a:ext cx="0" cy="0"/>
+          <a:chOff x="0" y="0"/>
+          <a:chExt cx="0" cy="0"/>
+        </a:xfrm>
+      </p:grpSpPr>
+      <p:sp>
+        <p:nvSpPr>
+          <p:cNvPr id="46" name="PlaceHolder 1"/>
+          <p:cNvSpPr>
+            <a:spLocks noGrp="1"/>
+          </p:cNvSpPr>
+          <p:nvPr>
+            <p:ph type="subTitle"/>
+          </p:nvPr>
+        </p:nvSpPr>
+        <p:spPr>
+          <a:xfrm>
+            <a:off x="504000" y="301320"/>
+            <a:ext cx="9072000" cy="5850360"/>
+          </a:xfrm>
+          <a:prstGeom prst="rect">
+            <a:avLst/>
+          </a:prstGeom>
+        </p:spPr>
+        <p:txBody>
+          <a:bodyPr lIns="0" rIns="0" tIns="0" bIns="0" anchor="ctr"/>
+          <a:p>
+            <a:pPr algn="ctr"/>
+            <a:endParaRPr b="0" lang="en-US" sz="3200" spc="-1" strike="noStrike">
+              <a:solidFill>
+                <a:srgbClr val="000000"/>
+              </a:solidFill>
+              <a:uFill>
+                <a:solidFill>
+                  <a:srgbClr val="ffffff"/>
+                </a:solidFill>
+              </a:uFill>
+              <a:latin typeface="Arial"/>
+            </a:endParaRPr>
+          </a:p>
+        </p:txBody>
+      </p:sp>
+    </p:spTree>
+  </p:cSld>
+</p:sldLayout>
+</file>
+
+<file path=ppt/slideLayouts/slideLayout19.xml><?xml version="1.0" encoding="utf-8"?>
+<p:sldLayout xmlns:a="http://schemas.openxmlformats.org/drawingml/2006/main" xmlns:p="http://schemas.openxmlformats.org/presentationml/2006/main" xmlns:r="http://schemas.openxmlformats.org/officeDocument/2006/relationships" xmlns:p14="http://schemas.microsoft.com/office/powerpoint/2010/main" xmlns:p15="http://schemas.microsoft.com/office/powerpoint/2012/main" xmlns:mc="http://schemas.openxmlformats.org/markup-compatibility/2006" type="twoObjAndObj" preserve="1">
+  <p:cSld name="Title, 2 Content and Content">
+    <p:spTree>
+      <p:nvGrpSpPr>
+        <p:cNvPr id="1" name=""/>
+        <p:cNvGrpSpPr/>
+        <p:nvPr/>
+      </p:nvGrpSpPr>
+      <p:grpSpPr>
+        <a:xfrm>
+          <a:off x="0" y="0"/>
+          <a:ext cx="0" cy="0"/>
+          <a:chOff x="0" y="0"/>
+          <a:chExt cx="0" cy="0"/>
+        </a:xfrm>
+      </p:grpSpPr>
+      <p:sp>
+        <p:nvSpPr>
+          <p:cNvPr id="47" name="PlaceHolder 1"/>
+          <p:cNvSpPr>
+            <a:spLocks noGrp="1"/>
+          </p:cNvSpPr>
+          <p:nvPr>
+            <p:ph type="title"/>
+          </p:nvPr>
+        </p:nvSpPr>
+        <p:spPr>
+          <a:xfrm>
+            <a:off x="504000" y="301320"/>
+            <a:ext cx="9072000" cy="1261800"/>
+          </a:xfrm>
+          <a:prstGeom prst="rect">
+            <a:avLst/>
+          </a:prstGeom>
+        </p:spPr>
+        <p:txBody>
+          <a:bodyPr lIns="0" rIns="0" tIns="0" bIns="0" anchor="ctr"/>
+          <a:p>
+            <a:pPr algn="ctr"/>
+            <a:endParaRPr b="0" lang="en-US" sz="4400" spc="-1" strike="noStrike">
+              <a:solidFill>
+                <a:srgbClr val="000000"/>
+              </a:solidFill>
+              <a:uFill>
+                <a:solidFill>
+                  <a:srgbClr val="ffffff"/>
+                </a:solidFill>
+              </a:uFill>
+              <a:latin typeface="Arial"/>
+            </a:endParaRPr>
+          </a:p>
+        </p:txBody>
+      </p:sp>
+      <p:sp>
+        <p:nvSpPr>
+          <p:cNvPr id="48" name="PlaceHolder 2"/>
+          <p:cNvSpPr>
+            <a:spLocks noGrp="1"/>
+          </p:cNvSpPr>
+          <p:nvPr>
+            <p:ph type="body"/>
+          </p:nvPr>
+        </p:nvSpPr>
+        <p:spPr>
+          <a:xfrm>
+            <a:off x="504000" y="1768680"/>
+            <a:ext cx="4426920" cy="2090880"/>
+          </a:xfrm>
+          <a:prstGeom prst="rect">
+            <a:avLst/>
+          </a:prstGeom>
+        </p:spPr>
+        <p:txBody>
+          <a:bodyPr lIns="0" rIns="0" tIns="0" bIns="0"/>
+          <a:p>
+            <a:endParaRPr b="0" lang="en-US" sz="3200" spc="-1" strike="noStrike">
+              <a:solidFill>
+                <a:srgbClr val="000000"/>
+              </a:solidFill>
+              <a:uFill>
+                <a:solidFill>
+                  <a:srgbClr val="ffffff"/>
+                </a:solidFill>
+              </a:uFill>
+              <a:latin typeface="Arial"/>
+            </a:endParaRPr>
+          </a:p>
+        </p:txBody>
+      </p:sp>
+      <p:sp>
+        <p:nvSpPr>
+          <p:cNvPr id="49" name="PlaceHolder 3"/>
+          <p:cNvSpPr>
+            <a:spLocks noGrp="1"/>
+          </p:cNvSpPr>
+          <p:nvPr>
+            <p:ph type="body"/>
+          </p:nvPr>
+        </p:nvSpPr>
+        <p:spPr>
+          <a:xfrm>
+            <a:off x="504000" y="4058640"/>
+            <a:ext cx="4426920" cy="2090880"/>
+          </a:xfrm>
+          <a:prstGeom prst="rect">
+            <a:avLst/>
+          </a:prstGeom>
+        </p:spPr>
+        <p:txBody>
+          <a:bodyPr lIns="0" rIns="0" tIns="0" bIns="0"/>
+          <a:p>
+            <a:endParaRPr b="0" lang="en-US" sz="3200" spc="-1" strike="noStrike">
+              <a:solidFill>
+                <a:srgbClr val="000000"/>
+              </a:solidFill>
+              <a:uFill>
+                <a:solidFill>
+                  <a:srgbClr val="ffffff"/>
+                </a:solidFill>
+              </a:uFill>
+              <a:latin typeface="Arial"/>
+            </a:endParaRPr>
+          </a:p>
+        </p:txBody>
+      </p:sp>
+      <p:sp>
+        <p:nvSpPr>
+          <p:cNvPr id="50" name="PlaceHolder 4"/>
+          <p:cNvSpPr>
+            <a:spLocks noGrp="1"/>
+          </p:cNvSpPr>
+          <p:nvPr>
+            <p:ph type="body"/>
+          </p:nvPr>
+        </p:nvSpPr>
+        <p:spPr>
+          <a:xfrm>
+            <a:off x="5152680" y="1768680"/>
+            <a:ext cx="4426920" cy="4384080"/>
+          </a:xfrm>
+          <a:prstGeom prst="rect">
+            <a:avLst/>
+          </a:prstGeom>
+        </p:spPr>
+        <p:txBody>
+          <a:bodyPr lIns="0" rIns="0" tIns="0" bIns="0"/>
+          <a:p>
+            <a:endParaRPr b="0" lang="en-US" sz="3200" spc="-1" strike="noStrike">
+              <a:solidFill>
+                <a:srgbClr val="000000"/>
+              </a:solidFill>
+              <a:uFill>
+                <a:solidFill>
+                  <a:srgbClr val="ffffff"/>
+                </a:solidFill>
+              </a:uFill>
+              <a:latin typeface="Arial"/>
+            </a:endParaRPr>
+          </a:p>
+        </p:txBody>
+      </p:sp>
     </p:spTree>
   </p:cSld>
 </p:sldLayout>
@@ -574,7 +1202,7 @@
       </p:grpSpPr>
       <p:sp>
         <p:nvSpPr>
-          <p:cNvPr id="5" name="PlaceHolder 1"/>
+          <p:cNvPr id="2" name="PlaceHolder 1"/>
           <p:cNvSpPr>
             <a:spLocks noGrp="1"/>
           </p:cNvSpPr>
@@ -585,7 +1213,7 @@
         <p:spPr>
           <a:xfrm>
             <a:off x="504000" y="301320"/>
-            <a:ext cx="9071640" cy="1262160"/>
+            <a:ext cx="9072000" cy="1261800"/>
           </a:xfrm>
           <a:prstGeom prst="rect">
             <a:avLst/>
@@ -611,7 +1239,7 @@
       </p:sp>
       <p:sp>
         <p:nvSpPr>
-          <p:cNvPr id="6" name="PlaceHolder 2"/>
+          <p:cNvPr id="3" name="PlaceHolder 2"/>
           <p:cNvSpPr>
             <a:spLocks noGrp="1"/>
           </p:cNvSpPr>
@@ -621,8 +1249,8 @@
         </p:nvSpPr>
         <p:spPr>
           <a:xfrm>
-            <a:off x="504000" y="1769040"/>
-            <a:ext cx="9071640" cy="4384440"/>
+            <a:off x="504000" y="1768680"/>
+            <a:ext cx="9072000" cy="4384080"/>
           </a:xfrm>
           <a:prstGeom prst="rect">
             <a:avLst/>
@@ -646,6 +1274,851 @@
           </a:p>
         </p:txBody>
       </p:sp>
+    </p:spTree>
+  </p:cSld>
+</p:sldLayout>
+</file>
+
+<file path=ppt/slideLayouts/slideLayout20.xml><?xml version="1.0" encoding="utf-8"?>
+<p:sldLayout xmlns:a="http://schemas.openxmlformats.org/drawingml/2006/main" xmlns:p="http://schemas.openxmlformats.org/presentationml/2006/main" xmlns:r="http://schemas.openxmlformats.org/officeDocument/2006/relationships" xmlns:p14="http://schemas.microsoft.com/office/powerpoint/2010/main" xmlns:p15="http://schemas.microsoft.com/office/powerpoint/2012/main" xmlns:mc="http://schemas.openxmlformats.org/markup-compatibility/2006" type="objAndTwoObj" preserve="1">
+  <p:cSld name="Title Content and 2 Content">
+    <p:spTree>
+      <p:nvGrpSpPr>
+        <p:cNvPr id="1" name=""/>
+        <p:cNvGrpSpPr/>
+        <p:nvPr/>
+      </p:nvGrpSpPr>
+      <p:grpSpPr>
+        <a:xfrm>
+          <a:off x="0" y="0"/>
+          <a:ext cx="0" cy="0"/>
+          <a:chOff x="0" y="0"/>
+          <a:chExt cx="0" cy="0"/>
+        </a:xfrm>
+      </p:grpSpPr>
+      <p:sp>
+        <p:nvSpPr>
+          <p:cNvPr id="51" name="PlaceHolder 1"/>
+          <p:cNvSpPr>
+            <a:spLocks noGrp="1"/>
+          </p:cNvSpPr>
+          <p:nvPr>
+            <p:ph type="title"/>
+          </p:nvPr>
+        </p:nvSpPr>
+        <p:spPr>
+          <a:xfrm>
+            <a:off x="504000" y="301320"/>
+            <a:ext cx="9072000" cy="1261800"/>
+          </a:xfrm>
+          <a:prstGeom prst="rect">
+            <a:avLst/>
+          </a:prstGeom>
+        </p:spPr>
+        <p:txBody>
+          <a:bodyPr lIns="0" rIns="0" tIns="0" bIns="0" anchor="ctr"/>
+          <a:p>
+            <a:pPr algn="ctr"/>
+            <a:endParaRPr b="0" lang="en-US" sz="4400" spc="-1" strike="noStrike">
+              <a:solidFill>
+                <a:srgbClr val="000000"/>
+              </a:solidFill>
+              <a:uFill>
+                <a:solidFill>
+                  <a:srgbClr val="ffffff"/>
+                </a:solidFill>
+              </a:uFill>
+              <a:latin typeface="Arial"/>
+            </a:endParaRPr>
+          </a:p>
+        </p:txBody>
+      </p:sp>
+      <p:sp>
+        <p:nvSpPr>
+          <p:cNvPr id="52" name="PlaceHolder 2"/>
+          <p:cNvSpPr>
+            <a:spLocks noGrp="1"/>
+          </p:cNvSpPr>
+          <p:nvPr>
+            <p:ph type="body"/>
+          </p:nvPr>
+        </p:nvSpPr>
+        <p:spPr>
+          <a:xfrm>
+            <a:off x="504000" y="1768680"/>
+            <a:ext cx="4426920" cy="4384080"/>
+          </a:xfrm>
+          <a:prstGeom prst="rect">
+            <a:avLst/>
+          </a:prstGeom>
+        </p:spPr>
+        <p:txBody>
+          <a:bodyPr lIns="0" rIns="0" tIns="0" bIns="0"/>
+          <a:p>
+            <a:endParaRPr b="0" lang="en-US" sz="3200" spc="-1" strike="noStrike">
+              <a:solidFill>
+                <a:srgbClr val="000000"/>
+              </a:solidFill>
+              <a:uFill>
+                <a:solidFill>
+                  <a:srgbClr val="ffffff"/>
+                </a:solidFill>
+              </a:uFill>
+              <a:latin typeface="Arial"/>
+            </a:endParaRPr>
+          </a:p>
+        </p:txBody>
+      </p:sp>
+      <p:sp>
+        <p:nvSpPr>
+          <p:cNvPr id="53" name="PlaceHolder 3"/>
+          <p:cNvSpPr>
+            <a:spLocks noGrp="1"/>
+          </p:cNvSpPr>
+          <p:nvPr>
+            <p:ph type="body"/>
+          </p:nvPr>
+        </p:nvSpPr>
+        <p:spPr>
+          <a:xfrm>
+            <a:off x="5152680" y="1768680"/>
+            <a:ext cx="4426920" cy="2090880"/>
+          </a:xfrm>
+          <a:prstGeom prst="rect">
+            <a:avLst/>
+          </a:prstGeom>
+        </p:spPr>
+        <p:txBody>
+          <a:bodyPr lIns="0" rIns="0" tIns="0" bIns="0"/>
+          <a:p>
+            <a:endParaRPr b="0" lang="en-US" sz="3200" spc="-1" strike="noStrike">
+              <a:solidFill>
+                <a:srgbClr val="000000"/>
+              </a:solidFill>
+              <a:uFill>
+                <a:solidFill>
+                  <a:srgbClr val="ffffff"/>
+                </a:solidFill>
+              </a:uFill>
+              <a:latin typeface="Arial"/>
+            </a:endParaRPr>
+          </a:p>
+        </p:txBody>
+      </p:sp>
+      <p:sp>
+        <p:nvSpPr>
+          <p:cNvPr id="54" name="PlaceHolder 4"/>
+          <p:cNvSpPr>
+            <a:spLocks noGrp="1"/>
+          </p:cNvSpPr>
+          <p:nvPr>
+            <p:ph type="body"/>
+          </p:nvPr>
+        </p:nvSpPr>
+        <p:spPr>
+          <a:xfrm>
+            <a:off x="5152680" y="4058640"/>
+            <a:ext cx="4426920" cy="2090880"/>
+          </a:xfrm>
+          <a:prstGeom prst="rect">
+            <a:avLst/>
+          </a:prstGeom>
+        </p:spPr>
+        <p:txBody>
+          <a:bodyPr lIns="0" rIns="0" tIns="0" bIns="0"/>
+          <a:p>
+            <a:endParaRPr b="0" lang="en-US" sz="3200" spc="-1" strike="noStrike">
+              <a:solidFill>
+                <a:srgbClr val="000000"/>
+              </a:solidFill>
+              <a:uFill>
+                <a:solidFill>
+                  <a:srgbClr val="ffffff"/>
+                </a:solidFill>
+              </a:uFill>
+              <a:latin typeface="Arial"/>
+            </a:endParaRPr>
+          </a:p>
+        </p:txBody>
+      </p:sp>
+    </p:spTree>
+  </p:cSld>
+</p:sldLayout>
+</file>
+
+<file path=ppt/slideLayouts/slideLayout21.xml><?xml version="1.0" encoding="utf-8"?>
+<p:sldLayout xmlns:a="http://schemas.openxmlformats.org/drawingml/2006/main" xmlns:p="http://schemas.openxmlformats.org/presentationml/2006/main" xmlns:r="http://schemas.openxmlformats.org/officeDocument/2006/relationships" xmlns:p14="http://schemas.microsoft.com/office/powerpoint/2010/main" xmlns:p15="http://schemas.microsoft.com/office/powerpoint/2012/main" xmlns:mc="http://schemas.openxmlformats.org/markup-compatibility/2006" type="twoObjOverTx" preserve="1">
+  <p:cSld name="Title, 2 Content over Content">
+    <p:spTree>
+      <p:nvGrpSpPr>
+        <p:cNvPr id="1" name=""/>
+        <p:cNvGrpSpPr/>
+        <p:nvPr/>
+      </p:nvGrpSpPr>
+      <p:grpSpPr>
+        <a:xfrm>
+          <a:off x="0" y="0"/>
+          <a:ext cx="0" cy="0"/>
+          <a:chOff x="0" y="0"/>
+          <a:chExt cx="0" cy="0"/>
+        </a:xfrm>
+      </p:grpSpPr>
+      <p:sp>
+        <p:nvSpPr>
+          <p:cNvPr id="55" name="PlaceHolder 1"/>
+          <p:cNvSpPr>
+            <a:spLocks noGrp="1"/>
+          </p:cNvSpPr>
+          <p:nvPr>
+            <p:ph type="title"/>
+          </p:nvPr>
+        </p:nvSpPr>
+        <p:spPr>
+          <a:xfrm>
+            <a:off x="504000" y="301320"/>
+            <a:ext cx="9072000" cy="1261800"/>
+          </a:xfrm>
+          <a:prstGeom prst="rect">
+            <a:avLst/>
+          </a:prstGeom>
+        </p:spPr>
+        <p:txBody>
+          <a:bodyPr lIns="0" rIns="0" tIns="0" bIns="0" anchor="ctr"/>
+          <a:p>
+            <a:pPr algn="ctr"/>
+            <a:endParaRPr b="0" lang="en-US" sz="4400" spc="-1" strike="noStrike">
+              <a:solidFill>
+                <a:srgbClr val="000000"/>
+              </a:solidFill>
+              <a:uFill>
+                <a:solidFill>
+                  <a:srgbClr val="ffffff"/>
+                </a:solidFill>
+              </a:uFill>
+              <a:latin typeface="Arial"/>
+            </a:endParaRPr>
+          </a:p>
+        </p:txBody>
+      </p:sp>
+      <p:sp>
+        <p:nvSpPr>
+          <p:cNvPr id="56" name="PlaceHolder 2"/>
+          <p:cNvSpPr>
+            <a:spLocks noGrp="1"/>
+          </p:cNvSpPr>
+          <p:nvPr>
+            <p:ph type="body"/>
+          </p:nvPr>
+        </p:nvSpPr>
+        <p:spPr>
+          <a:xfrm>
+            <a:off x="504000" y="1768680"/>
+            <a:ext cx="4426920" cy="2090880"/>
+          </a:xfrm>
+          <a:prstGeom prst="rect">
+            <a:avLst/>
+          </a:prstGeom>
+        </p:spPr>
+        <p:txBody>
+          <a:bodyPr lIns="0" rIns="0" tIns="0" bIns="0"/>
+          <a:p>
+            <a:endParaRPr b="0" lang="en-US" sz="3200" spc="-1" strike="noStrike">
+              <a:solidFill>
+                <a:srgbClr val="000000"/>
+              </a:solidFill>
+              <a:uFill>
+                <a:solidFill>
+                  <a:srgbClr val="ffffff"/>
+                </a:solidFill>
+              </a:uFill>
+              <a:latin typeface="Arial"/>
+            </a:endParaRPr>
+          </a:p>
+        </p:txBody>
+      </p:sp>
+      <p:sp>
+        <p:nvSpPr>
+          <p:cNvPr id="57" name="PlaceHolder 3"/>
+          <p:cNvSpPr>
+            <a:spLocks noGrp="1"/>
+          </p:cNvSpPr>
+          <p:nvPr>
+            <p:ph type="body"/>
+          </p:nvPr>
+        </p:nvSpPr>
+        <p:spPr>
+          <a:xfrm>
+            <a:off x="5152680" y="1768680"/>
+            <a:ext cx="4426920" cy="2090880"/>
+          </a:xfrm>
+          <a:prstGeom prst="rect">
+            <a:avLst/>
+          </a:prstGeom>
+        </p:spPr>
+        <p:txBody>
+          <a:bodyPr lIns="0" rIns="0" tIns="0" bIns="0"/>
+          <a:p>
+            <a:endParaRPr b="0" lang="en-US" sz="3200" spc="-1" strike="noStrike">
+              <a:solidFill>
+                <a:srgbClr val="000000"/>
+              </a:solidFill>
+              <a:uFill>
+                <a:solidFill>
+                  <a:srgbClr val="ffffff"/>
+                </a:solidFill>
+              </a:uFill>
+              <a:latin typeface="Arial"/>
+            </a:endParaRPr>
+          </a:p>
+        </p:txBody>
+      </p:sp>
+      <p:sp>
+        <p:nvSpPr>
+          <p:cNvPr id="58" name="PlaceHolder 4"/>
+          <p:cNvSpPr>
+            <a:spLocks noGrp="1"/>
+          </p:cNvSpPr>
+          <p:nvPr>
+            <p:ph type="body"/>
+          </p:nvPr>
+        </p:nvSpPr>
+        <p:spPr>
+          <a:xfrm>
+            <a:off x="504000" y="4058640"/>
+            <a:ext cx="9072000" cy="2090880"/>
+          </a:xfrm>
+          <a:prstGeom prst="rect">
+            <a:avLst/>
+          </a:prstGeom>
+        </p:spPr>
+        <p:txBody>
+          <a:bodyPr lIns="0" rIns="0" tIns="0" bIns="0"/>
+          <a:p>
+            <a:endParaRPr b="0" lang="en-US" sz="3200" spc="-1" strike="noStrike">
+              <a:solidFill>
+                <a:srgbClr val="000000"/>
+              </a:solidFill>
+              <a:uFill>
+                <a:solidFill>
+                  <a:srgbClr val="ffffff"/>
+                </a:solidFill>
+              </a:uFill>
+              <a:latin typeface="Arial"/>
+            </a:endParaRPr>
+          </a:p>
+        </p:txBody>
+      </p:sp>
+    </p:spTree>
+  </p:cSld>
+</p:sldLayout>
+</file>
+
+<file path=ppt/slideLayouts/slideLayout22.xml><?xml version="1.0" encoding="utf-8"?>
+<p:sldLayout xmlns:a="http://schemas.openxmlformats.org/drawingml/2006/main" xmlns:p="http://schemas.openxmlformats.org/presentationml/2006/main" xmlns:r="http://schemas.openxmlformats.org/officeDocument/2006/relationships" xmlns:p14="http://schemas.microsoft.com/office/powerpoint/2010/main" xmlns:p15="http://schemas.microsoft.com/office/powerpoint/2012/main" xmlns:mc="http://schemas.openxmlformats.org/markup-compatibility/2006" type="objOverTx" preserve="1">
+  <p:cSld name="Title, Content over Content">
+    <p:spTree>
+      <p:nvGrpSpPr>
+        <p:cNvPr id="1" name=""/>
+        <p:cNvGrpSpPr/>
+        <p:nvPr/>
+      </p:nvGrpSpPr>
+      <p:grpSpPr>
+        <a:xfrm>
+          <a:off x="0" y="0"/>
+          <a:ext cx="0" cy="0"/>
+          <a:chOff x="0" y="0"/>
+          <a:chExt cx="0" cy="0"/>
+        </a:xfrm>
+      </p:grpSpPr>
+      <p:sp>
+        <p:nvSpPr>
+          <p:cNvPr id="59" name="PlaceHolder 1"/>
+          <p:cNvSpPr>
+            <a:spLocks noGrp="1"/>
+          </p:cNvSpPr>
+          <p:nvPr>
+            <p:ph type="title"/>
+          </p:nvPr>
+        </p:nvSpPr>
+        <p:spPr>
+          <a:xfrm>
+            <a:off x="504000" y="301320"/>
+            <a:ext cx="9072000" cy="1261800"/>
+          </a:xfrm>
+          <a:prstGeom prst="rect">
+            <a:avLst/>
+          </a:prstGeom>
+        </p:spPr>
+        <p:txBody>
+          <a:bodyPr lIns="0" rIns="0" tIns="0" bIns="0" anchor="ctr"/>
+          <a:p>
+            <a:pPr algn="ctr"/>
+            <a:endParaRPr b="0" lang="en-US" sz="4400" spc="-1" strike="noStrike">
+              <a:solidFill>
+                <a:srgbClr val="000000"/>
+              </a:solidFill>
+              <a:uFill>
+                <a:solidFill>
+                  <a:srgbClr val="ffffff"/>
+                </a:solidFill>
+              </a:uFill>
+              <a:latin typeface="Arial"/>
+            </a:endParaRPr>
+          </a:p>
+        </p:txBody>
+      </p:sp>
+      <p:sp>
+        <p:nvSpPr>
+          <p:cNvPr id="60" name="PlaceHolder 2"/>
+          <p:cNvSpPr>
+            <a:spLocks noGrp="1"/>
+          </p:cNvSpPr>
+          <p:nvPr>
+            <p:ph type="body"/>
+          </p:nvPr>
+        </p:nvSpPr>
+        <p:spPr>
+          <a:xfrm>
+            <a:off x="504000" y="1768680"/>
+            <a:ext cx="9072000" cy="2090880"/>
+          </a:xfrm>
+          <a:prstGeom prst="rect">
+            <a:avLst/>
+          </a:prstGeom>
+        </p:spPr>
+        <p:txBody>
+          <a:bodyPr lIns="0" rIns="0" tIns="0" bIns="0"/>
+          <a:p>
+            <a:endParaRPr b="0" lang="en-US" sz="3200" spc="-1" strike="noStrike">
+              <a:solidFill>
+                <a:srgbClr val="000000"/>
+              </a:solidFill>
+              <a:uFill>
+                <a:solidFill>
+                  <a:srgbClr val="ffffff"/>
+                </a:solidFill>
+              </a:uFill>
+              <a:latin typeface="Arial"/>
+            </a:endParaRPr>
+          </a:p>
+        </p:txBody>
+      </p:sp>
+      <p:sp>
+        <p:nvSpPr>
+          <p:cNvPr id="61" name="PlaceHolder 3"/>
+          <p:cNvSpPr>
+            <a:spLocks noGrp="1"/>
+          </p:cNvSpPr>
+          <p:nvPr>
+            <p:ph type="body"/>
+          </p:nvPr>
+        </p:nvSpPr>
+        <p:spPr>
+          <a:xfrm>
+            <a:off x="504000" y="4058640"/>
+            <a:ext cx="9072000" cy="2090880"/>
+          </a:xfrm>
+          <a:prstGeom prst="rect">
+            <a:avLst/>
+          </a:prstGeom>
+        </p:spPr>
+        <p:txBody>
+          <a:bodyPr lIns="0" rIns="0" tIns="0" bIns="0"/>
+          <a:p>
+            <a:endParaRPr b="0" lang="en-US" sz="3200" spc="-1" strike="noStrike">
+              <a:solidFill>
+                <a:srgbClr val="000000"/>
+              </a:solidFill>
+              <a:uFill>
+                <a:solidFill>
+                  <a:srgbClr val="ffffff"/>
+                </a:solidFill>
+              </a:uFill>
+              <a:latin typeface="Arial"/>
+            </a:endParaRPr>
+          </a:p>
+        </p:txBody>
+      </p:sp>
+    </p:spTree>
+  </p:cSld>
+</p:sldLayout>
+</file>
+
+<file path=ppt/slideLayouts/slideLayout23.xml><?xml version="1.0" encoding="utf-8"?>
+<p:sldLayout xmlns:a="http://schemas.openxmlformats.org/drawingml/2006/main" xmlns:p="http://schemas.openxmlformats.org/presentationml/2006/main" xmlns:r="http://schemas.openxmlformats.org/officeDocument/2006/relationships" xmlns:p14="http://schemas.microsoft.com/office/powerpoint/2010/main" xmlns:p15="http://schemas.microsoft.com/office/powerpoint/2012/main" xmlns:mc="http://schemas.openxmlformats.org/markup-compatibility/2006" type="fourObj" preserve="1">
+  <p:cSld name="Title, 4 Content">
+    <p:spTree>
+      <p:nvGrpSpPr>
+        <p:cNvPr id="1" name=""/>
+        <p:cNvGrpSpPr/>
+        <p:nvPr/>
+      </p:nvGrpSpPr>
+      <p:grpSpPr>
+        <a:xfrm>
+          <a:off x="0" y="0"/>
+          <a:ext cx="0" cy="0"/>
+          <a:chOff x="0" y="0"/>
+          <a:chExt cx="0" cy="0"/>
+        </a:xfrm>
+      </p:grpSpPr>
+      <p:sp>
+        <p:nvSpPr>
+          <p:cNvPr id="62" name="PlaceHolder 1"/>
+          <p:cNvSpPr>
+            <a:spLocks noGrp="1"/>
+          </p:cNvSpPr>
+          <p:nvPr>
+            <p:ph type="title"/>
+          </p:nvPr>
+        </p:nvSpPr>
+        <p:spPr>
+          <a:xfrm>
+            <a:off x="504000" y="301320"/>
+            <a:ext cx="9072000" cy="1261800"/>
+          </a:xfrm>
+          <a:prstGeom prst="rect">
+            <a:avLst/>
+          </a:prstGeom>
+        </p:spPr>
+        <p:txBody>
+          <a:bodyPr lIns="0" rIns="0" tIns="0" bIns="0" anchor="ctr"/>
+          <a:p>
+            <a:pPr algn="ctr"/>
+            <a:endParaRPr b="0" lang="en-US" sz="4400" spc="-1" strike="noStrike">
+              <a:solidFill>
+                <a:srgbClr val="000000"/>
+              </a:solidFill>
+              <a:uFill>
+                <a:solidFill>
+                  <a:srgbClr val="ffffff"/>
+                </a:solidFill>
+              </a:uFill>
+              <a:latin typeface="Arial"/>
+            </a:endParaRPr>
+          </a:p>
+        </p:txBody>
+      </p:sp>
+      <p:sp>
+        <p:nvSpPr>
+          <p:cNvPr id="63" name="PlaceHolder 2"/>
+          <p:cNvSpPr>
+            <a:spLocks noGrp="1"/>
+          </p:cNvSpPr>
+          <p:nvPr>
+            <p:ph type="body"/>
+          </p:nvPr>
+        </p:nvSpPr>
+        <p:spPr>
+          <a:xfrm>
+            <a:off x="504000" y="1768680"/>
+            <a:ext cx="4426920" cy="2090880"/>
+          </a:xfrm>
+          <a:prstGeom prst="rect">
+            <a:avLst/>
+          </a:prstGeom>
+        </p:spPr>
+        <p:txBody>
+          <a:bodyPr lIns="0" rIns="0" tIns="0" bIns="0"/>
+          <a:p>
+            <a:endParaRPr b="0" lang="en-US" sz="3200" spc="-1" strike="noStrike">
+              <a:solidFill>
+                <a:srgbClr val="000000"/>
+              </a:solidFill>
+              <a:uFill>
+                <a:solidFill>
+                  <a:srgbClr val="ffffff"/>
+                </a:solidFill>
+              </a:uFill>
+              <a:latin typeface="Arial"/>
+            </a:endParaRPr>
+          </a:p>
+        </p:txBody>
+      </p:sp>
+      <p:sp>
+        <p:nvSpPr>
+          <p:cNvPr id="64" name="PlaceHolder 3"/>
+          <p:cNvSpPr>
+            <a:spLocks noGrp="1"/>
+          </p:cNvSpPr>
+          <p:nvPr>
+            <p:ph type="body"/>
+          </p:nvPr>
+        </p:nvSpPr>
+        <p:spPr>
+          <a:xfrm>
+            <a:off x="5152680" y="1768680"/>
+            <a:ext cx="4426920" cy="2090880"/>
+          </a:xfrm>
+          <a:prstGeom prst="rect">
+            <a:avLst/>
+          </a:prstGeom>
+        </p:spPr>
+        <p:txBody>
+          <a:bodyPr lIns="0" rIns="0" tIns="0" bIns="0"/>
+          <a:p>
+            <a:endParaRPr b="0" lang="en-US" sz="3200" spc="-1" strike="noStrike">
+              <a:solidFill>
+                <a:srgbClr val="000000"/>
+              </a:solidFill>
+              <a:uFill>
+                <a:solidFill>
+                  <a:srgbClr val="ffffff"/>
+                </a:solidFill>
+              </a:uFill>
+              <a:latin typeface="Arial"/>
+            </a:endParaRPr>
+          </a:p>
+        </p:txBody>
+      </p:sp>
+      <p:sp>
+        <p:nvSpPr>
+          <p:cNvPr id="65" name="PlaceHolder 4"/>
+          <p:cNvSpPr>
+            <a:spLocks noGrp="1"/>
+          </p:cNvSpPr>
+          <p:nvPr>
+            <p:ph type="body"/>
+          </p:nvPr>
+        </p:nvSpPr>
+        <p:spPr>
+          <a:xfrm>
+            <a:off x="5152680" y="4058640"/>
+            <a:ext cx="4426920" cy="2090880"/>
+          </a:xfrm>
+          <a:prstGeom prst="rect">
+            <a:avLst/>
+          </a:prstGeom>
+        </p:spPr>
+        <p:txBody>
+          <a:bodyPr lIns="0" rIns="0" tIns="0" bIns="0"/>
+          <a:p>
+            <a:endParaRPr b="0" lang="en-US" sz="3200" spc="-1" strike="noStrike">
+              <a:solidFill>
+                <a:srgbClr val="000000"/>
+              </a:solidFill>
+              <a:uFill>
+                <a:solidFill>
+                  <a:srgbClr val="ffffff"/>
+                </a:solidFill>
+              </a:uFill>
+              <a:latin typeface="Arial"/>
+            </a:endParaRPr>
+          </a:p>
+        </p:txBody>
+      </p:sp>
+      <p:sp>
+        <p:nvSpPr>
+          <p:cNvPr id="66" name="PlaceHolder 5"/>
+          <p:cNvSpPr>
+            <a:spLocks noGrp="1"/>
+          </p:cNvSpPr>
+          <p:nvPr>
+            <p:ph type="body"/>
+          </p:nvPr>
+        </p:nvSpPr>
+        <p:spPr>
+          <a:xfrm>
+            <a:off x="504000" y="4058640"/>
+            <a:ext cx="4426920" cy="2090880"/>
+          </a:xfrm>
+          <a:prstGeom prst="rect">
+            <a:avLst/>
+          </a:prstGeom>
+        </p:spPr>
+        <p:txBody>
+          <a:bodyPr lIns="0" rIns="0" tIns="0" bIns="0"/>
+          <a:p>
+            <a:endParaRPr b="0" lang="en-US" sz="3200" spc="-1" strike="noStrike">
+              <a:solidFill>
+                <a:srgbClr val="000000"/>
+              </a:solidFill>
+              <a:uFill>
+                <a:solidFill>
+                  <a:srgbClr val="ffffff"/>
+                </a:solidFill>
+              </a:uFill>
+              <a:latin typeface="Arial"/>
+            </a:endParaRPr>
+          </a:p>
+        </p:txBody>
+      </p:sp>
+    </p:spTree>
+  </p:cSld>
+</p:sldLayout>
+</file>
+
+<file path=ppt/slideLayouts/slideLayout24.xml><?xml version="1.0" encoding="utf-8"?>
+<p:sldLayout xmlns:a="http://schemas.openxmlformats.org/drawingml/2006/main" xmlns:p="http://schemas.openxmlformats.org/presentationml/2006/main" xmlns:r="http://schemas.openxmlformats.org/officeDocument/2006/relationships" xmlns:p14="http://schemas.microsoft.com/office/powerpoint/2010/main" xmlns:p15="http://schemas.microsoft.com/office/powerpoint/2012/main" xmlns:mc="http://schemas.openxmlformats.org/markup-compatibility/2006" type="blank" preserve="1">
+  <p:cSld name="Title, 6 Content">
+    <p:spTree>
+      <p:nvGrpSpPr>
+        <p:cNvPr id="1" name=""/>
+        <p:cNvGrpSpPr/>
+        <p:nvPr/>
+      </p:nvGrpSpPr>
+      <p:grpSpPr>
+        <a:xfrm>
+          <a:off x="0" y="0"/>
+          <a:ext cx="0" cy="0"/>
+          <a:chOff x="0" y="0"/>
+          <a:chExt cx="0" cy="0"/>
+        </a:xfrm>
+      </p:grpSpPr>
+      <p:sp>
+        <p:nvSpPr>
+          <p:cNvPr id="67" name="PlaceHolder 1"/>
+          <p:cNvSpPr>
+            <a:spLocks noGrp="1"/>
+          </p:cNvSpPr>
+          <p:nvPr>
+            <p:ph type="title"/>
+          </p:nvPr>
+        </p:nvSpPr>
+        <p:spPr>
+          <a:xfrm>
+            <a:off x="504000" y="301320"/>
+            <a:ext cx="9072000" cy="1261800"/>
+          </a:xfrm>
+          <a:prstGeom prst="rect">
+            <a:avLst/>
+          </a:prstGeom>
+        </p:spPr>
+        <p:txBody>
+          <a:bodyPr lIns="0" rIns="0" tIns="0" bIns="0" anchor="ctr"/>
+          <a:p>
+            <a:pPr algn="ctr"/>
+            <a:endParaRPr b="0" lang="en-US" sz="4400" spc="-1" strike="noStrike">
+              <a:solidFill>
+                <a:srgbClr val="000000"/>
+              </a:solidFill>
+              <a:uFill>
+                <a:solidFill>
+                  <a:srgbClr val="ffffff"/>
+                </a:solidFill>
+              </a:uFill>
+              <a:latin typeface="Arial"/>
+            </a:endParaRPr>
+          </a:p>
+        </p:txBody>
+      </p:sp>
+      <p:sp>
+        <p:nvSpPr>
+          <p:cNvPr id="68" name="PlaceHolder 2"/>
+          <p:cNvSpPr>
+            <a:spLocks noGrp="1"/>
+          </p:cNvSpPr>
+          <p:nvPr>
+            <p:ph type="body"/>
+          </p:nvPr>
+        </p:nvSpPr>
+        <p:spPr>
+          <a:xfrm>
+            <a:off x="504000" y="1768680"/>
+            <a:ext cx="9072000" cy="4384080"/>
+          </a:xfrm>
+          <a:prstGeom prst="rect">
+            <a:avLst/>
+          </a:prstGeom>
+        </p:spPr>
+        <p:txBody>
+          <a:bodyPr lIns="0" rIns="0" tIns="0" bIns="0"/>
+          <a:p>
+            <a:endParaRPr b="0" lang="en-US" sz="3200" spc="-1" strike="noStrike">
+              <a:solidFill>
+                <a:srgbClr val="000000"/>
+              </a:solidFill>
+              <a:uFill>
+                <a:solidFill>
+                  <a:srgbClr val="ffffff"/>
+                </a:solidFill>
+              </a:uFill>
+              <a:latin typeface="Arial"/>
+            </a:endParaRPr>
+          </a:p>
+        </p:txBody>
+      </p:sp>
+      <p:sp>
+        <p:nvSpPr>
+          <p:cNvPr id="69" name="PlaceHolder 3"/>
+          <p:cNvSpPr>
+            <a:spLocks noGrp="1"/>
+          </p:cNvSpPr>
+          <p:nvPr>
+            <p:ph type="body"/>
+          </p:nvPr>
+        </p:nvSpPr>
+        <p:spPr>
+          <a:xfrm>
+            <a:off x="504000" y="1768680"/>
+            <a:ext cx="9072000" cy="4384080"/>
+          </a:xfrm>
+          <a:prstGeom prst="rect">
+            <a:avLst/>
+          </a:prstGeom>
+        </p:spPr>
+        <p:txBody>
+          <a:bodyPr lIns="0" rIns="0" tIns="0" bIns="0"/>
+          <a:p>
+            <a:endParaRPr b="0" lang="en-US" sz="3200" spc="-1" strike="noStrike">
+              <a:solidFill>
+                <a:srgbClr val="000000"/>
+              </a:solidFill>
+              <a:uFill>
+                <a:solidFill>
+                  <a:srgbClr val="ffffff"/>
+                </a:solidFill>
+              </a:uFill>
+              <a:latin typeface="Arial"/>
+            </a:endParaRPr>
+          </a:p>
+        </p:txBody>
+      </p:sp>
+      <p:pic>
+        <p:nvPicPr>
+          <p:cNvPr id="70" name="" descr=""/>
+          <p:cNvPicPr/>
+          <p:nvPr/>
+        </p:nvPicPr>
+        <p:blipFill>
+          <a:blip r:embed="rId2"/>
+          <a:stretch/>
+        </p:blipFill>
+        <p:spPr>
+          <a:xfrm>
+            <a:off x="2292480" y="1768680"/>
+            <a:ext cx="5494680" cy="4384080"/>
+          </a:xfrm>
+          <a:prstGeom prst="rect">
+            <a:avLst/>
+          </a:prstGeom>
+          <a:ln>
+            <a:noFill/>
+          </a:ln>
+        </p:spPr>
+      </p:pic>
+      <p:pic>
+        <p:nvPicPr>
+          <p:cNvPr id="71" name="" descr=""/>
+          <p:cNvPicPr/>
+          <p:nvPr/>
+        </p:nvPicPr>
+        <p:blipFill>
+          <a:blip r:embed="rId3"/>
+          <a:stretch/>
+        </p:blipFill>
+        <p:spPr>
+          <a:xfrm>
+            <a:off x="2292480" y="1768680"/>
+            <a:ext cx="5494680" cy="4384080"/>
+          </a:xfrm>
+          <a:prstGeom prst="rect">
+            <a:avLst/>
+          </a:prstGeom>
+          <a:ln>
+            <a:noFill/>
+          </a:ln>
+        </p:spPr>
+      </p:pic>
     </p:spTree>
   </p:cSld>
 </p:sldLayout>
@@ -670,7 +2143,7 @@
       </p:grpSpPr>
       <p:sp>
         <p:nvSpPr>
-          <p:cNvPr id="7" name="PlaceHolder 1"/>
+          <p:cNvPr id="4" name="PlaceHolder 1"/>
           <p:cNvSpPr>
             <a:spLocks noGrp="1"/>
           </p:cNvSpPr>
@@ -681,7 +2154,7 @@
         <p:spPr>
           <a:xfrm>
             <a:off x="504000" y="301320"/>
-            <a:ext cx="9071640" cy="1262160"/>
+            <a:ext cx="9072000" cy="1261800"/>
           </a:xfrm>
           <a:prstGeom prst="rect">
             <a:avLst/>
@@ -707,7 +2180,7 @@
       </p:sp>
       <p:sp>
         <p:nvSpPr>
-          <p:cNvPr id="8" name="PlaceHolder 2"/>
+          <p:cNvPr id="5" name="PlaceHolder 2"/>
           <p:cNvSpPr>
             <a:spLocks noGrp="1"/>
           </p:cNvSpPr>
@@ -717,8 +2190,8 @@
         </p:nvSpPr>
         <p:spPr>
           <a:xfrm>
-            <a:off x="504000" y="1769040"/>
-            <a:ext cx="9071640" cy="4384440"/>
+            <a:off x="504000" y="1768680"/>
+            <a:ext cx="9072000" cy="4384080"/>
           </a:xfrm>
           <a:prstGeom prst="rect">
             <a:avLst/>
@@ -765,7 +2238,7 @@
       </p:grpSpPr>
       <p:sp>
         <p:nvSpPr>
-          <p:cNvPr id="9" name="PlaceHolder 1"/>
+          <p:cNvPr id="6" name="PlaceHolder 1"/>
           <p:cNvSpPr>
             <a:spLocks noGrp="1"/>
           </p:cNvSpPr>
@@ -776,7 +2249,7 @@
         <p:spPr>
           <a:xfrm>
             <a:off x="504000" y="301320"/>
-            <a:ext cx="9071640" cy="1262160"/>
+            <a:ext cx="9072000" cy="1261800"/>
           </a:xfrm>
           <a:prstGeom prst="rect">
             <a:avLst/>
@@ -802,7 +2275,7 @@
       </p:sp>
       <p:sp>
         <p:nvSpPr>
-          <p:cNvPr id="10" name="PlaceHolder 2"/>
+          <p:cNvPr id="7" name="PlaceHolder 2"/>
           <p:cNvSpPr>
             <a:spLocks noGrp="1"/>
           </p:cNvSpPr>
@@ -812,8 +2285,8 @@
         </p:nvSpPr>
         <p:spPr>
           <a:xfrm>
-            <a:off x="504000" y="1769040"/>
-            <a:ext cx="4426920" cy="4384440"/>
+            <a:off x="504000" y="1768680"/>
+            <a:ext cx="4426920" cy="4384080"/>
           </a:xfrm>
           <a:prstGeom prst="rect">
             <a:avLst/>
@@ -838,7 +2311,7 @@
       </p:sp>
       <p:sp>
         <p:nvSpPr>
-          <p:cNvPr id="11" name="PlaceHolder 3"/>
+          <p:cNvPr id="8" name="PlaceHolder 3"/>
           <p:cNvSpPr>
             <a:spLocks noGrp="1"/>
           </p:cNvSpPr>
@@ -848,8 +2321,8 @@
         </p:nvSpPr>
         <p:spPr>
           <a:xfrm>
-            <a:off x="5152680" y="1769040"/>
-            <a:ext cx="4426920" cy="4384440"/>
+            <a:off x="5152680" y="1768680"/>
+            <a:ext cx="4426920" cy="4384080"/>
           </a:xfrm>
           <a:prstGeom prst="rect">
             <a:avLst/>
@@ -896,7 +2369,7 @@
       </p:grpSpPr>
       <p:sp>
         <p:nvSpPr>
-          <p:cNvPr id="12" name="PlaceHolder 1"/>
+          <p:cNvPr id="9" name="PlaceHolder 1"/>
           <p:cNvSpPr>
             <a:spLocks noGrp="1"/>
           </p:cNvSpPr>
@@ -907,7 +2380,7 @@
         <p:spPr>
           <a:xfrm>
             <a:off x="504000" y="301320"/>
-            <a:ext cx="9071640" cy="1262160"/>
+            <a:ext cx="9072000" cy="1261800"/>
           </a:xfrm>
           <a:prstGeom prst="rect">
             <a:avLst/>
@@ -955,7 +2428,7 @@
       </p:grpSpPr>
       <p:sp>
         <p:nvSpPr>
-          <p:cNvPr id="13" name="PlaceHolder 1"/>
+          <p:cNvPr id="10" name="PlaceHolder 1"/>
           <p:cNvSpPr>
             <a:spLocks noGrp="1"/>
           </p:cNvSpPr>
@@ -966,7 +2439,7 @@
         <p:spPr>
           <a:xfrm>
             <a:off x="504000" y="301320"/>
-            <a:ext cx="9071640" cy="5851800"/>
+            <a:ext cx="9072000" cy="5850360"/>
           </a:xfrm>
           <a:prstGeom prst="rect">
             <a:avLst/>
@@ -1014,7 +2487,7 @@
       </p:grpSpPr>
       <p:sp>
         <p:nvSpPr>
-          <p:cNvPr id="14" name="PlaceHolder 1"/>
+          <p:cNvPr id="11" name="PlaceHolder 1"/>
           <p:cNvSpPr>
             <a:spLocks noGrp="1"/>
           </p:cNvSpPr>
@@ -1025,7 +2498,7 @@
         <p:spPr>
           <a:xfrm>
             <a:off x="504000" y="301320"/>
-            <a:ext cx="9071640" cy="1262160"/>
+            <a:ext cx="9072000" cy="1261800"/>
           </a:xfrm>
           <a:prstGeom prst="rect">
             <a:avLst/>
@@ -1051,7 +2524,7 @@
       </p:sp>
       <p:sp>
         <p:nvSpPr>
-          <p:cNvPr id="15" name="PlaceHolder 2"/>
+          <p:cNvPr id="12" name="PlaceHolder 2"/>
           <p:cNvSpPr>
             <a:spLocks noGrp="1"/>
           </p:cNvSpPr>
@@ -1061,8 +2534,8 @@
         </p:nvSpPr>
         <p:spPr>
           <a:xfrm>
-            <a:off x="504000" y="1769040"/>
-            <a:ext cx="4426920" cy="2091240"/>
+            <a:off x="504000" y="1768680"/>
+            <a:ext cx="4426920" cy="2090880"/>
           </a:xfrm>
           <a:prstGeom prst="rect">
             <a:avLst/>
@@ -1087,7 +2560,7 @@
       </p:sp>
       <p:sp>
         <p:nvSpPr>
-          <p:cNvPr id="16" name="PlaceHolder 3"/>
+          <p:cNvPr id="13" name="PlaceHolder 3"/>
           <p:cNvSpPr>
             <a:spLocks noGrp="1"/>
           </p:cNvSpPr>
@@ -1097,8 +2570,8 @@
         </p:nvSpPr>
         <p:spPr>
           <a:xfrm>
-            <a:off x="504000" y="4059360"/>
-            <a:ext cx="4426920" cy="2091240"/>
+            <a:off x="504000" y="4058640"/>
+            <a:ext cx="4426920" cy="2090880"/>
           </a:xfrm>
           <a:prstGeom prst="rect">
             <a:avLst/>
@@ -1123,7 +2596,7 @@
       </p:sp>
       <p:sp>
         <p:nvSpPr>
-          <p:cNvPr id="17" name="PlaceHolder 4"/>
+          <p:cNvPr id="14" name="PlaceHolder 4"/>
           <p:cNvSpPr>
             <a:spLocks noGrp="1"/>
           </p:cNvSpPr>
@@ -1133,8 +2606,8 @@
         </p:nvSpPr>
         <p:spPr>
           <a:xfrm>
-            <a:off x="5152680" y="1769040"/>
-            <a:ext cx="4426920" cy="4384440"/>
+            <a:off x="5152680" y="1768680"/>
+            <a:ext cx="4426920" cy="4384080"/>
           </a:xfrm>
           <a:prstGeom prst="rect">
             <a:avLst/>
@@ -1181,7 +2654,7 @@
       </p:grpSpPr>
       <p:sp>
         <p:nvSpPr>
-          <p:cNvPr id="18" name="PlaceHolder 1"/>
+          <p:cNvPr id="15" name="PlaceHolder 1"/>
           <p:cNvSpPr>
             <a:spLocks noGrp="1"/>
           </p:cNvSpPr>
@@ -1192,7 +2665,7 @@
         <p:spPr>
           <a:xfrm>
             <a:off x="504000" y="301320"/>
-            <a:ext cx="9071640" cy="1262160"/>
+            <a:ext cx="9072000" cy="1261800"/>
           </a:xfrm>
           <a:prstGeom prst="rect">
             <a:avLst/>
@@ -1218,7 +2691,7 @@
       </p:sp>
       <p:sp>
         <p:nvSpPr>
-          <p:cNvPr id="19" name="PlaceHolder 2"/>
+          <p:cNvPr id="16" name="PlaceHolder 2"/>
           <p:cNvSpPr>
             <a:spLocks noGrp="1"/>
           </p:cNvSpPr>
@@ -1228,8 +2701,8 @@
         </p:nvSpPr>
         <p:spPr>
           <a:xfrm>
-            <a:off x="504000" y="1769040"/>
-            <a:ext cx="4426920" cy="4384440"/>
+            <a:off x="504000" y="1768680"/>
+            <a:ext cx="4426920" cy="4384080"/>
           </a:xfrm>
           <a:prstGeom prst="rect">
             <a:avLst/>
@@ -1254,7 +2727,7 @@
       </p:sp>
       <p:sp>
         <p:nvSpPr>
-          <p:cNvPr id="20" name="PlaceHolder 3"/>
+          <p:cNvPr id="17" name="PlaceHolder 3"/>
           <p:cNvSpPr>
             <a:spLocks noGrp="1"/>
           </p:cNvSpPr>
@@ -1264,8 +2737,8 @@
         </p:nvSpPr>
         <p:spPr>
           <a:xfrm>
-            <a:off x="5152680" y="1769040"/>
-            <a:ext cx="4426920" cy="2091240"/>
+            <a:off x="5152680" y="1768680"/>
+            <a:ext cx="4426920" cy="2090880"/>
           </a:xfrm>
           <a:prstGeom prst="rect">
             <a:avLst/>
@@ -1290,7 +2763,7 @@
       </p:sp>
       <p:sp>
         <p:nvSpPr>
-          <p:cNvPr id="21" name="PlaceHolder 4"/>
+          <p:cNvPr id="18" name="PlaceHolder 4"/>
           <p:cNvSpPr>
             <a:spLocks noGrp="1"/>
           </p:cNvSpPr>
@@ -1300,8 +2773,8 @@
         </p:nvSpPr>
         <p:spPr>
           <a:xfrm>
-            <a:off x="5152680" y="4059360"/>
-            <a:ext cx="4426920" cy="2091240"/>
+            <a:off x="5152680" y="4058640"/>
+            <a:ext cx="4426920" cy="2090880"/>
           </a:xfrm>
           <a:prstGeom prst="rect">
             <a:avLst/>
@@ -1348,7 +2821,7 @@
       </p:grpSpPr>
       <p:sp>
         <p:nvSpPr>
-          <p:cNvPr id="22" name="PlaceHolder 1"/>
+          <p:cNvPr id="19" name="PlaceHolder 1"/>
           <p:cNvSpPr>
             <a:spLocks noGrp="1"/>
           </p:cNvSpPr>
@@ -1359,7 +2832,7 @@
         <p:spPr>
           <a:xfrm>
             <a:off x="504000" y="301320"/>
-            <a:ext cx="9071640" cy="1262160"/>
+            <a:ext cx="9072000" cy="1261800"/>
           </a:xfrm>
           <a:prstGeom prst="rect">
             <a:avLst/>
@@ -1385,7 +2858,7 @@
       </p:sp>
       <p:sp>
         <p:nvSpPr>
-          <p:cNvPr id="23" name="PlaceHolder 2"/>
+          <p:cNvPr id="20" name="PlaceHolder 2"/>
           <p:cNvSpPr>
             <a:spLocks noGrp="1"/>
           </p:cNvSpPr>
@@ -1395,8 +2868,8 @@
         </p:nvSpPr>
         <p:spPr>
           <a:xfrm>
-            <a:off x="504000" y="1769040"/>
-            <a:ext cx="4426920" cy="2091240"/>
+            <a:off x="504000" y="1768680"/>
+            <a:ext cx="4426920" cy="2090880"/>
           </a:xfrm>
           <a:prstGeom prst="rect">
             <a:avLst/>
@@ -1421,7 +2894,7 @@
       </p:sp>
       <p:sp>
         <p:nvSpPr>
-          <p:cNvPr id="24" name="PlaceHolder 3"/>
+          <p:cNvPr id="21" name="PlaceHolder 3"/>
           <p:cNvSpPr>
             <a:spLocks noGrp="1"/>
           </p:cNvSpPr>
@@ -1431,8 +2904,8 @@
         </p:nvSpPr>
         <p:spPr>
           <a:xfrm>
-            <a:off x="5152680" y="1769040"/>
-            <a:ext cx="4426920" cy="2091240"/>
+            <a:off x="5152680" y="1768680"/>
+            <a:ext cx="4426920" cy="2090880"/>
           </a:xfrm>
           <a:prstGeom prst="rect">
             <a:avLst/>
@@ -1457,7 +2930,7 @@
       </p:sp>
       <p:sp>
         <p:nvSpPr>
-          <p:cNvPr id="25" name="PlaceHolder 4"/>
+          <p:cNvPr id="22" name="PlaceHolder 4"/>
           <p:cNvSpPr>
             <a:spLocks noGrp="1"/>
           </p:cNvSpPr>
@@ -1467,8 +2940,8 @@
         </p:nvSpPr>
         <p:spPr>
           <a:xfrm>
-            <a:off x="504000" y="4059360"/>
-            <a:ext cx="9071640" cy="2091240"/>
+            <a:off x="504000" y="4058640"/>
+            <a:ext cx="9072000" cy="2090880"/>
           </a:xfrm>
           <a:prstGeom prst="rect">
             <a:avLst/>
@@ -1526,7 +2999,7 @@
         <p:spPr>
           <a:xfrm>
             <a:off x="504000" y="301320"/>
-            <a:ext cx="9071640" cy="1262160"/>
+            <a:ext cx="9070920" cy="1261440"/>
           </a:xfrm>
           <a:prstGeom prst="rect">
             <a:avLst/>
@@ -1536,20 +3009,6 @@
           <a:bodyPr lIns="0" rIns="0" tIns="0" bIns="0" anchor="ctr"/>
           <a:p>
             <a:pPr algn="ctr"/>
-            <a:r>
-              <a:rPr b="0" lang="en-US" sz="4400" spc="-1" strike="noStrike">
-                <a:solidFill>
-                  <a:srgbClr val="000000"/>
-                </a:solidFill>
-                <a:uFill>
-                  <a:solidFill>
-                    <a:srgbClr val="ffffff"/>
-                  </a:solidFill>
-                </a:uFill>
-                <a:latin typeface="Arial"/>
-              </a:rPr>
-              <a:t>Click to edit the title text format</a:t>
-            </a:r>
             <a:endParaRPr b="0" lang="en-US" sz="4400" spc="-1" strike="noStrike">
               <a:solidFill>
                 <a:srgbClr val="000000"/>
@@ -1577,7 +3036,7 @@
         <p:spPr>
           <a:xfrm>
             <a:off x="504000" y="1769040"/>
-            <a:ext cx="9071640" cy="4384440"/>
+            <a:ext cx="9070920" cy="4383720"/>
           </a:xfrm>
           <a:prstGeom prst="rect">
             <a:avLst/>
@@ -1595,7 +3054,7 @@
               <a:buChar char=""/>
             </a:pPr>
             <a:r>
-              <a:rPr b="0" lang="en-US" sz="3200" spc="-1" strike="noStrike">
+              <a:rPr b="0" lang="en-US" sz="1800" spc="-1" strike="noStrike">
                 <a:solidFill>
                   <a:srgbClr val="000000"/>
                 </a:solidFill>
@@ -1608,7 +3067,7 @@
               </a:rPr>
               <a:t>Click to edit the outline text format</a:t>
             </a:r>
-            <a:endParaRPr b="0" lang="en-US" sz="3200" spc="-1" strike="noStrike">
+            <a:endParaRPr b="0" lang="en-US" sz="1800" spc="-1" strike="noStrike">
               <a:solidFill>
                 <a:srgbClr val="000000"/>
               </a:solidFill>
@@ -1630,7 +3089,7 @@
               <a:buChar char=""/>
             </a:pPr>
             <a:r>
-              <a:rPr b="0" lang="en-US" sz="2800" spc="-1" strike="noStrike">
+              <a:rPr b="0" lang="en-US" sz="1800" spc="-1" strike="noStrike">
                 <a:solidFill>
                   <a:srgbClr val="000000"/>
                 </a:solidFill>
@@ -1643,7 +3102,7 @@
               </a:rPr>
               <a:t>Second Outline Level</a:t>
             </a:r>
-            <a:endParaRPr b="0" lang="en-US" sz="2800" spc="-1" strike="noStrike">
+            <a:endParaRPr b="0" lang="en-US" sz="1800" spc="-1" strike="noStrike">
               <a:solidFill>
                 <a:srgbClr val="000000"/>
               </a:solidFill>
@@ -1665,7 +3124,7 @@
               <a:buChar char=""/>
             </a:pPr>
             <a:r>
-              <a:rPr b="0" lang="en-US" sz="2400" spc="-1" strike="noStrike">
+              <a:rPr b="0" lang="en-US" sz="1800" spc="-1" strike="noStrike">
                 <a:solidFill>
                   <a:srgbClr val="000000"/>
                 </a:solidFill>
@@ -1678,7 +3137,7 @@
               </a:rPr>
               <a:t>Third Outline Level</a:t>
             </a:r>
-            <a:endParaRPr b="0" lang="en-US" sz="2400" spc="-1" strike="noStrike">
+            <a:endParaRPr b="0" lang="en-US" sz="1800" spc="-1" strike="noStrike">
               <a:solidFill>
                 <a:srgbClr val="000000"/>
               </a:solidFill>
@@ -1700,7 +3159,7 @@
               <a:buChar char=""/>
             </a:pPr>
             <a:r>
-              <a:rPr b="0" lang="en-US" sz="2000" spc="-1" strike="noStrike">
+              <a:rPr b="0" lang="en-US" sz="1800" spc="-1" strike="noStrike">
                 <a:solidFill>
                   <a:srgbClr val="000000"/>
                 </a:solidFill>
@@ -1713,7 +3172,7 @@
               </a:rPr>
               <a:t>Fourth Outline Level</a:t>
             </a:r>
-            <a:endParaRPr b="0" lang="en-US" sz="2000" spc="-1" strike="noStrike">
+            <a:endParaRPr b="0" lang="en-US" sz="1800" spc="-1" strike="noStrike">
               <a:solidFill>
                 <a:srgbClr val="000000"/>
               </a:solidFill>
@@ -1735,7 +3194,7 @@
               <a:buChar char=""/>
             </a:pPr>
             <a:r>
-              <a:rPr b="0" lang="en-US" sz="2000" spc="-1" strike="noStrike">
+              <a:rPr b="0" lang="en-US" sz="1800" spc="-1" strike="noStrike">
                 <a:solidFill>
                   <a:srgbClr val="000000"/>
                 </a:solidFill>
@@ -1748,7 +3207,7 @@
               </a:rPr>
               <a:t>Fifth Outline Level</a:t>
             </a:r>
-            <a:endParaRPr b="0" lang="en-US" sz="2000" spc="-1" strike="noStrike">
+            <a:endParaRPr b="0" lang="en-US" sz="1800" spc="-1" strike="noStrike">
               <a:solidFill>
                 <a:srgbClr val="000000"/>
               </a:solidFill>
@@ -1770,7 +3229,7 @@
               <a:buChar char=""/>
             </a:pPr>
             <a:r>
-              <a:rPr b="0" lang="en-US" sz="2000" spc="-1" strike="noStrike">
+              <a:rPr b="0" lang="en-US" sz="1800" spc="-1" strike="noStrike">
                 <a:solidFill>
                   <a:srgbClr val="000000"/>
                 </a:solidFill>
@@ -1783,7 +3242,7 @@
               </a:rPr>
               <a:t>Sixth Outline Level</a:t>
             </a:r>
-            <a:endParaRPr b="0" lang="en-US" sz="2000" spc="-1" strike="noStrike">
+            <a:endParaRPr b="0" lang="en-US" sz="1800" spc="-1" strike="noStrike">
               <a:solidFill>
                 <a:srgbClr val="000000"/>
               </a:solidFill>
@@ -1805,7 +3264,7 @@
               <a:buChar char=""/>
             </a:pPr>
             <a:r>
-              <a:rPr b="0" lang="en-US" sz="2000" spc="-1" strike="noStrike">
+              <a:rPr b="0" lang="en-US" sz="1800" spc="-1" strike="noStrike">
                 <a:solidFill>
                   <a:srgbClr val="000000"/>
                 </a:solidFill>
@@ -1818,168 +3277,16 @@
               </a:rPr>
               <a:t>Seventh Outline Level</a:t>
             </a:r>
-            <a:endParaRPr b="0" lang="en-US" sz="2000" spc="-1" strike="noStrike">
-              <a:solidFill>
-                <a:srgbClr val="000000"/>
-              </a:solidFill>
-              <a:uFill>
-                <a:solidFill>
-                  <a:srgbClr val="ffffff"/>
-                </a:solidFill>
-              </a:uFill>
-              <a:latin typeface="Arial"/>
-            </a:endParaRPr>
-          </a:p>
-        </p:txBody>
-      </p:sp>
-      <p:sp>
-        <p:nvSpPr>
-          <p:cNvPr id="2" name="PlaceHolder 3"/>
-          <p:cNvSpPr>
-            <a:spLocks noGrp="1"/>
-          </p:cNvSpPr>
-          <p:nvPr>
-            <p:ph type="dt"/>
-          </p:nvPr>
-        </p:nvSpPr>
-        <p:spPr>
-          <a:xfrm>
-            <a:off x="504000" y="6887160"/>
-            <a:ext cx="2348280" cy="521280"/>
-          </a:xfrm>
-          <a:prstGeom prst="rect">
-            <a:avLst/>
-          </a:prstGeom>
-        </p:spPr>
-        <p:txBody>
-          <a:bodyPr lIns="0" rIns="0" tIns="0" bIns="0"/>
-          <a:p>
-            <a:r>
-              <a:rPr b="0" lang="en-US" sz="1400" spc="-1" strike="noStrike">
-                <a:solidFill>
-                  <a:srgbClr val="000000"/>
-                </a:solidFill>
-                <a:uFill>
-                  <a:solidFill>
-                    <a:srgbClr val="ffffff"/>
-                  </a:solidFill>
-                </a:uFill>
-                <a:latin typeface="Times New Roman"/>
-              </a:rPr>
-              <a:t>&lt;date/time&gt;</a:t>
-            </a:r>
-            <a:endParaRPr b="0" lang="en-US" sz="1400" spc="-1" strike="noStrike">
-              <a:solidFill>
-                <a:srgbClr val="000000"/>
-              </a:solidFill>
-              <a:uFill>
-                <a:solidFill>
-                  <a:srgbClr val="ffffff"/>
-                </a:solidFill>
-              </a:uFill>
-              <a:latin typeface="Times New Roman"/>
-            </a:endParaRPr>
-          </a:p>
-        </p:txBody>
-      </p:sp>
-      <p:sp>
-        <p:nvSpPr>
-          <p:cNvPr id="3" name="PlaceHolder 4"/>
-          <p:cNvSpPr>
-            <a:spLocks noGrp="1"/>
-          </p:cNvSpPr>
-          <p:nvPr>
-            <p:ph type="ftr"/>
-          </p:nvPr>
-        </p:nvSpPr>
-        <p:spPr>
-          <a:xfrm>
-            <a:off x="3447360" y="6887160"/>
-            <a:ext cx="3195000" cy="521280"/>
-          </a:xfrm>
-          <a:prstGeom prst="rect">
-            <a:avLst/>
-          </a:prstGeom>
-        </p:spPr>
-        <p:txBody>
-          <a:bodyPr lIns="0" rIns="0" tIns="0" bIns="0"/>
-          <a:p>
-            <a:pPr algn="ctr"/>
-            <a:r>
-              <a:rPr b="0" lang="en-US" sz="1400" spc="-1" strike="noStrike">
-                <a:solidFill>
-                  <a:srgbClr val="000000"/>
-                </a:solidFill>
-                <a:uFill>
-                  <a:solidFill>
-                    <a:srgbClr val="ffffff"/>
-                  </a:solidFill>
-                </a:uFill>
-                <a:latin typeface="Times New Roman"/>
-              </a:rPr>
-              <a:t>&lt;footer&gt;</a:t>
-            </a:r>
-            <a:endParaRPr b="0" lang="en-US" sz="1400" spc="-1" strike="noStrike">
-              <a:solidFill>
-                <a:srgbClr val="000000"/>
-              </a:solidFill>
-              <a:uFill>
-                <a:solidFill>
-                  <a:srgbClr val="ffffff"/>
-                </a:solidFill>
-              </a:uFill>
-              <a:latin typeface="Times New Roman"/>
-            </a:endParaRPr>
-          </a:p>
-        </p:txBody>
-      </p:sp>
-      <p:sp>
-        <p:nvSpPr>
-          <p:cNvPr id="4" name="PlaceHolder 5"/>
-          <p:cNvSpPr>
-            <a:spLocks noGrp="1"/>
-          </p:cNvSpPr>
-          <p:nvPr>
-            <p:ph type="sldNum"/>
-          </p:nvPr>
-        </p:nvSpPr>
-        <p:spPr>
-          <a:xfrm>
-            <a:off x="7227360" y="6887160"/>
-            <a:ext cx="2348280" cy="521280"/>
-          </a:xfrm>
-          <a:prstGeom prst="rect">
-            <a:avLst/>
-          </a:prstGeom>
-        </p:spPr>
-        <p:txBody>
-          <a:bodyPr lIns="0" rIns="0" tIns="0" bIns="0"/>
-          <a:p>
-            <a:pPr algn="r"/>
-            <a:fld id="{FE2C38DB-9AF1-49F1-BC48-520352BADF68}" type="slidenum">
-              <a:rPr b="0" lang="en-US" sz="1400" spc="-1" strike="noStrike">
-                <a:solidFill>
-                  <a:srgbClr val="000000"/>
-                </a:solidFill>
-                <a:uFill>
-                  <a:solidFill>
-                    <a:srgbClr val="ffffff"/>
-                  </a:solidFill>
-                </a:uFill>
-                <a:latin typeface="Times New Roman"/>
-              </a:rPr>
-              <a:t>&lt;number&gt;</a:t>
-            </a:fld>
-            <a:endParaRPr b="0" lang="en-US" sz="1400" spc="-1" strike="noStrike">
-              <a:solidFill>
-                <a:srgbClr val="000000"/>
-              </a:solidFill>
-              <a:uFill>
-                <a:solidFill>
-                  <a:srgbClr val="ffffff"/>
-                </a:solidFill>
-              </a:uFill>
-              <a:latin typeface="Times New Roman"/>
+            <a:endParaRPr b="0" lang="en-US" sz="1800" spc="-1" strike="noStrike">
+              <a:solidFill>
+                <a:srgbClr val="000000"/>
+              </a:solidFill>
+              <a:uFill>
+                <a:solidFill>
+                  <a:srgbClr val="ffffff"/>
+                </a:solidFill>
+              </a:uFill>
+              <a:latin typeface="Arial"/>
             </a:endParaRPr>
           </a:p>
         </p:txBody>
@@ -2000,6 +3307,362 @@
     <p:sldLayoutId id="2147483658" r:id="rId11"/>
     <p:sldLayoutId id="2147483659" r:id="rId12"/>
     <p:sldLayoutId id="2147483660" r:id="rId13"/>
+  </p:sldLayoutIdLst>
+</p:sldMaster>
+</file>
+
+<file path=ppt/slideMasters/slideMaster2.xml><?xml version="1.0" encoding="utf-8"?>
+<p:sldMaster xmlns:a="http://schemas.openxmlformats.org/drawingml/2006/main" xmlns:p="http://schemas.openxmlformats.org/presentationml/2006/main" xmlns:r="http://schemas.openxmlformats.org/officeDocument/2006/relationships" xmlns:p14="http://schemas.microsoft.com/office/powerpoint/2010/main" xmlns:p15="http://schemas.microsoft.com/office/powerpoint/2012/main" xmlns:mc="http://schemas.openxmlformats.org/markup-compatibility/2006">
+  <p:cSld>
+    <p:spTree>
+      <p:nvGrpSpPr>
+        <p:cNvPr id="1" name=""/>
+        <p:cNvGrpSpPr/>
+        <p:nvPr/>
+      </p:nvGrpSpPr>
+      <p:grpSpPr>
+        <a:xfrm>
+          <a:off x="0" y="0"/>
+          <a:ext cx="0" cy="0"/>
+          <a:chOff x="0" y="0"/>
+          <a:chExt cx="0" cy="0"/>
+        </a:xfrm>
+      </p:grpSpPr>
+      <p:sp>
+        <p:nvSpPr>
+          <p:cNvPr id="36" name="PlaceHolder 1"/>
+          <p:cNvSpPr>
+            <a:spLocks noGrp="1"/>
+          </p:cNvSpPr>
+          <p:nvPr>
+            <p:ph type="title"/>
+          </p:nvPr>
+        </p:nvSpPr>
+        <p:spPr>
+          <a:xfrm>
+            <a:off x="504000" y="301320"/>
+            <a:ext cx="9072000" cy="1261800"/>
+          </a:xfrm>
+          <a:prstGeom prst="rect">
+            <a:avLst/>
+          </a:prstGeom>
+        </p:spPr>
+        <p:txBody>
+          <a:bodyPr lIns="0" rIns="0" tIns="0" bIns="0" anchor="ctr"/>
+          <a:p>
+            <a:pPr algn="ctr"/>
+            <a:r>
+              <a:rPr b="0" lang="en-US" sz="4400" spc="-1" strike="noStrike">
+                <a:solidFill>
+                  <a:srgbClr val="000000"/>
+                </a:solidFill>
+                <a:uFill>
+                  <a:solidFill>
+                    <a:srgbClr val="ffffff"/>
+                  </a:solidFill>
+                </a:uFill>
+                <a:latin typeface="Arial"/>
+              </a:rPr>
+              <a:t>Click to edit the title text format</a:t>
+            </a:r>
+            <a:endParaRPr b="0" lang="en-US" sz="4400" spc="-1" strike="noStrike">
+              <a:solidFill>
+                <a:srgbClr val="000000"/>
+              </a:solidFill>
+              <a:uFill>
+                <a:solidFill>
+                  <a:srgbClr val="ffffff"/>
+                </a:solidFill>
+              </a:uFill>
+              <a:latin typeface="Arial"/>
+            </a:endParaRPr>
+          </a:p>
+        </p:txBody>
+      </p:sp>
+      <p:sp>
+        <p:nvSpPr>
+          <p:cNvPr id="37" name="PlaceHolder 2"/>
+          <p:cNvSpPr>
+            <a:spLocks noGrp="1"/>
+          </p:cNvSpPr>
+          <p:nvPr>
+            <p:ph type="body"/>
+          </p:nvPr>
+        </p:nvSpPr>
+        <p:spPr>
+          <a:xfrm>
+            <a:off x="504000" y="1768680"/>
+            <a:ext cx="9072000" cy="4384080"/>
+          </a:xfrm>
+          <a:prstGeom prst="rect">
+            <a:avLst/>
+          </a:prstGeom>
+        </p:spPr>
+        <p:txBody>
+          <a:bodyPr lIns="0" rIns="0" tIns="0" bIns="0"/>
+          <a:p>
+            <a:pPr marL="432000" indent="-324000">
+              <a:buClr>
+                <a:srgbClr val="000000"/>
+              </a:buClr>
+              <a:buSzPct val="45000"/>
+              <a:buFont typeface="Wingdings" charset="2"/>
+              <a:buChar char=""/>
+            </a:pPr>
+            <a:r>
+              <a:rPr b="0" lang="en-US" sz="3200" spc="-1" strike="noStrike">
+                <a:solidFill>
+                  <a:srgbClr val="000000"/>
+                </a:solidFill>
+                <a:uFill>
+                  <a:solidFill>
+                    <a:srgbClr val="ffffff"/>
+                  </a:solidFill>
+                </a:uFill>
+                <a:latin typeface="Arial"/>
+              </a:rPr>
+              <a:t>Click to edit the outline text format</a:t>
+            </a:r>
+            <a:endParaRPr b="0" lang="en-US" sz="3200" spc="-1" strike="noStrike">
+              <a:solidFill>
+                <a:srgbClr val="000000"/>
+              </a:solidFill>
+              <a:uFill>
+                <a:solidFill>
+                  <a:srgbClr val="ffffff"/>
+                </a:solidFill>
+              </a:uFill>
+              <a:latin typeface="Arial"/>
+            </a:endParaRPr>
+          </a:p>
+          <a:p>
+            <a:pPr lvl="1" marL="864000" indent="-324000">
+              <a:buClr>
+                <a:srgbClr val="000000"/>
+              </a:buClr>
+              <a:buSzPct val="75000"/>
+              <a:buFont typeface="Symbol" charset="2"/>
+              <a:buChar char=""/>
+            </a:pPr>
+            <a:r>
+              <a:rPr b="0" lang="en-US" sz="2800" spc="-1" strike="noStrike">
+                <a:solidFill>
+                  <a:srgbClr val="000000"/>
+                </a:solidFill>
+                <a:uFill>
+                  <a:solidFill>
+                    <a:srgbClr val="ffffff"/>
+                  </a:solidFill>
+                </a:uFill>
+                <a:latin typeface="Arial"/>
+              </a:rPr>
+              <a:t>Second Outline Level</a:t>
+            </a:r>
+            <a:endParaRPr b="0" lang="en-US" sz="2800" spc="-1" strike="noStrike">
+              <a:solidFill>
+                <a:srgbClr val="000000"/>
+              </a:solidFill>
+              <a:uFill>
+                <a:solidFill>
+                  <a:srgbClr val="ffffff"/>
+                </a:solidFill>
+              </a:uFill>
+              <a:latin typeface="Arial"/>
+            </a:endParaRPr>
+          </a:p>
+          <a:p>
+            <a:pPr lvl="2" marL="1296000" indent="-288000">
+              <a:buClr>
+                <a:srgbClr val="000000"/>
+              </a:buClr>
+              <a:buSzPct val="45000"/>
+              <a:buFont typeface="Wingdings" charset="2"/>
+              <a:buChar char=""/>
+            </a:pPr>
+            <a:r>
+              <a:rPr b="0" lang="en-US" sz="2400" spc="-1" strike="noStrike">
+                <a:solidFill>
+                  <a:srgbClr val="000000"/>
+                </a:solidFill>
+                <a:uFill>
+                  <a:solidFill>
+                    <a:srgbClr val="ffffff"/>
+                  </a:solidFill>
+                </a:uFill>
+                <a:latin typeface="Arial"/>
+              </a:rPr>
+              <a:t>Third Outline Level</a:t>
+            </a:r>
+            <a:endParaRPr b="0" lang="en-US" sz="2400" spc="-1" strike="noStrike">
+              <a:solidFill>
+                <a:srgbClr val="000000"/>
+              </a:solidFill>
+              <a:uFill>
+                <a:solidFill>
+                  <a:srgbClr val="ffffff"/>
+                </a:solidFill>
+              </a:uFill>
+              <a:latin typeface="Arial"/>
+            </a:endParaRPr>
+          </a:p>
+          <a:p>
+            <a:pPr lvl="3" marL="1728000" indent="-216000">
+              <a:buClr>
+                <a:srgbClr val="000000"/>
+              </a:buClr>
+              <a:buSzPct val="75000"/>
+              <a:buFont typeface="Symbol" charset="2"/>
+              <a:buChar char=""/>
+            </a:pPr>
+            <a:r>
+              <a:rPr b="0" lang="en-US" sz="2000" spc="-1" strike="noStrike">
+                <a:solidFill>
+                  <a:srgbClr val="000000"/>
+                </a:solidFill>
+                <a:uFill>
+                  <a:solidFill>
+                    <a:srgbClr val="ffffff"/>
+                  </a:solidFill>
+                </a:uFill>
+                <a:latin typeface="Arial"/>
+              </a:rPr>
+              <a:t>Fourth Outline Level</a:t>
+            </a:r>
+            <a:endParaRPr b="0" lang="en-US" sz="2000" spc="-1" strike="noStrike">
+              <a:solidFill>
+                <a:srgbClr val="000000"/>
+              </a:solidFill>
+              <a:uFill>
+                <a:solidFill>
+                  <a:srgbClr val="ffffff"/>
+                </a:solidFill>
+              </a:uFill>
+              <a:latin typeface="Arial"/>
+            </a:endParaRPr>
+          </a:p>
+          <a:p>
+            <a:pPr lvl="4" marL="2160000" indent="-216000">
+              <a:buClr>
+                <a:srgbClr val="000000"/>
+              </a:buClr>
+              <a:buSzPct val="45000"/>
+              <a:buFont typeface="Wingdings" charset="2"/>
+              <a:buChar char=""/>
+            </a:pPr>
+            <a:r>
+              <a:rPr b="0" lang="en-US" sz="2000" spc="-1" strike="noStrike">
+                <a:solidFill>
+                  <a:srgbClr val="000000"/>
+                </a:solidFill>
+                <a:uFill>
+                  <a:solidFill>
+                    <a:srgbClr val="ffffff"/>
+                  </a:solidFill>
+                </a:uFill>
+                <a:latin typeface="Arial"/>
+              </a:rPr>
+              <a:t>Fifth Outline Level</a:t>
+            </a:r>
+            <a:endParaRPr b="0" lang="en-US" sz="2000" spc="-1" strike="noStrike">
+              <a:solidFill>
+                <a:srgbClr val="000000"/>
+              </a:solidFill>
+              <a:uFill>
+                <a:solidFill>
+                  <a:srgbClr val="ffffff"/>
+                </a:solidFill>
+              </a:uFill>
+              <a:latin typeface="Arial"/>
+            </a:endParaRPr>
+          </a:p>
+          <a:p>
+            <a:pPr lvl="5" marL="2592000" indent="-216000">
+              <a:buClr>
+                <a:srgbClr val="000000"/>
+              </a:buClr>
+              <a:buSzPct val="45000"/>
+              <a:buFont typeface="Wingdings" charset="2"/>
+              <a:buChar char=""/>
+            </a:pPr>
+            <a:r>
+              <a:rPr b="0" lang="en-US" sz="2000" spc="-1" strike="noStrike">
+                <a:solidFill>
+                  <a:srgbClr val="000000"/>
+                </a:solidFill>
+                <a:uFill>
+                  <a:solidFill>
+                    <a:srgbClr val="ffffff"/>
+                  </a:solidFill>
+                </a:uFill>
+                <a:latin typeface="Arial"/>
+              </a:rPr>
+              <a:t>Sixth Outline Level</a:t>
+            </a:r>
+            <a:endParaRPr b="0" lang="en-US" sz="2000" spc="-1" strike="noStrike">
+              <a:solidFill>
+                <a:srgbClr val="000000"/>
+              </a:solidFill>
+              <a:uFill>
+                <a:solidFill>
+                  <a:srgbClr val="ffffff"/>
+                </a:solidFill>
+              </a:uFill>
+              <a:latin typeface="Arial"/>
+            </a:endParaRPr>
+          </a:p>
+          <a:p>
+            <a:pPr lvl="6" marL="3024000" indent="-216000">
+              <a:buClr>
+                <a:srgbClr val="000000"/>
+              </a:buClr>
+              <a:buSzPct val="45000"/>
+              <a:buFont typeface="Wingdings" charset="2"/>
+              <a:buChar char=""/>
+            </a:pPr>
+            <a:r>
+              <a:rPr b="0" lang="en-US" sz="2000" spc="-1" strike="noStrike">
+                <a:solidFill>
+                  <a:srgbClr val="000000"/>
+                </a:solidFill>
+                <a:uFill>
+                  <a:solidFill>
+                    <a:srgbClr val="ffffff"/>
+                  </a:solidFill>
+                </a:uFill>
+                <a:latin typeface="Arial"/>
+              </a:rPr>
+              <a:t>Seventh Outline Level</a:t>
+            </a:r>
+            <a:endParaRPr b="0" lang="en-US" sz="2000" spc="-1" strike="noStrike">
+              <a:solidFill>
+                <a:srgbClr val="000000"/>
+              </a:solidFill>
+              <a:uFill>
+                <a:solidFill>
+                  <a:srgbClr val="ffffff"/>
+                </a:solidFill>
+              </a:uFill>
+              <a:latin typeface="Arial"/>
+            </a:endParaRPr>
+          </a:p>
+        </p:txBody>
+      </p:sp>
+    </p:spTree>
+  </p:cSld>
+  <p:clrMap bg1="lt1" bg2="lt2" tx1="dk1" tx2="dk2" accent1="accent1" accent2="accent2" accent3="accent3" accent4="accent4" accent5="accent5" accent6="accent6" hlink="hlink" folHlink="folHlink"/>
+  <p:sldLayoutIdLst>
+    <p:sldLayoutId id="2147483662" r:id="rId2"/>
+    <p:sldLayoutId id="2147483663" r:id="rId3"/>
+    <p:sldLayoutId id="2147483664" r:id="rId4"/>
+    <p:sldLayoutId id="2147483665" r:id="rId5"/>
+    <p:sldLayoutId id="2147483666" r:id="rId6"/>
+    <p:sldLayoutId id="2147483667" r:id="rId7"/>
+    <p:sldLayoutId id="2147483668" r:id="rId8"/>
+    <p:sldLayoutId id="2147483669" r:id="rId9"/>
+    <p:sldLayoutId id="2147483670" r:id="rId10"/>
+    <p:sldLayoutId id="2147483671" r:id="rId11"/>
+    <p:sldLayoutId id="2147483672" r:id="rId12"/>
+    <p:sldLayoutId id="2147483673" r:id="rId13"/>
   </p:sldLayoutIdLst>
 </p:sldMaster>
 </file>
@@ -2023,14 +3686,14 @@
       </p:grpSpPr>
       <p:sp>
         <p:nvSpPr>
-          <p:cNvPr id="39" name="TextShape 1"/>
-          <p:cNvSpPr txBox="1"/>
+          <p:cNvPr id="72" name="CustomShape 1"/>
+          <p:cNvSpPr/>
           <p:nvPr/>
         </p:nvSpPr>
         <p:spPr>
           <a:xfrm>
             <a:off x="504000" y="301320"/>
-            <a:ext cx="9071640" cy="1262160"/>
+            <a:ext cx="9070920" cy="1261440"/>
           </a:xfrm>
           <a:prstGeom prst="rect">
             <a:avLst/>
@@ -2040,10 +3703,20 @@
             <a:noFill/>
           </a:ln>
         </p:spPr>
+        <p:style>
+          <a:lnRef idx="0"/>
+          <a:fillRef idx="0"/>
+          <a:effectRef idx="0"/>
+          <a:fontRef idx="minor"/>
+        </p:style>
         <p:txBody>
           <a:bodyPr lIns="0" rIns="0" tIns="0" bIns="0" anchor="ctr"/>
           <a:p>
-            <a:pPr algn="ctr"/>
+            <a:pPr algn="ctr">
+              <a:lnSpc>
+                <a:spcPct val="100000"/>
+              </a:lnSpc>
+            </a:pPr>
             <a:r>
               <a:rPr b="0" lang="en-US" sz="4400" spc="-1" strike="noStrike">
                 <a:solidFill>
@@ -2055,8 +3728,9 @@
                   </a:solidFill>
                 </a:uFill>
                 <a:latin typeface="Arial"/>
+                <a:ea typeface="DejaVu Sans"/>
               </a:rPr>
-              <a:t>Web Server Deployment </a:t>
+              <a:t>Web Server Deployment Heroku</a:t>
             </a:r>
             <a:r>
               <a:rPr b="0" lang="en-US" sz="4400" spc="-1" strike="noStrike">
@@ -2069,12 +3743,59 @@
                   </a:solidFill>
                 </a:uFill>
                 <a:latin typeface="Arial"/>
+                <a:ea typeface="DejaVu Sans"/>
               </a:rPr>
-              <a:t>
-</a:t>
+              <a:t>	</a:t>
             </a:r>
+            <a:endParaRPr b="0" lang="en-US" sz="1800" spc="-1" strike="noStrike">
+              <a:solidFill>
+                <a:srgbClr val="000000"/>
+              </a:solidFill>
+              <a:uFill>
+                <a:solidFill>
+                  <a:srgbClr val="ffffff"/>
+                </a:solidFill>
+              </a:uFill>
+              <a:latin typeface="Arial"/>
+            </a:endParaRPr>
+          </a:p>
+        </p:txBody>
+      </p:sp>
+      <p:sp>
+        <p:nvSpPr>
+          <p:cNvPr id="73" name="CustomShape 2"/>
+          <p:cNvSpPr/>
+          <p:nvPr/>
+        </p:nvSpPr>
+        <p:spPr>
+          <a:xfrm>
+            <a:off x="504000" y="1769040"/>
+            <a:ext cx="9070920" cy="4383720"/>
+          </a:xfrm>
+          <a:prstGeom prst="rect">
+            <a:avLst/>
+          </a:prstGeom>
+          <a:noFill/>
+          <a:ln>
+            <a:noFill/>
+          </a:ln>
+        </p:spPr>
+        <p:style>
+          <a:lnRef idx="0"/>
+          <a:fillRef idx="0"/>
+          <a:effectRef idx="0"/>
+          <a:fontRef idx="minor"/>
+        </p:style>
+        <p:txBody>
+          <a:bodyPr lIns="0" rIns="0" tIns="0" bIns="0" anchor="ctr"/>
+          <a:p>
+            <a:pPr algn="ctr">
+              <a:lnSpc>
+                <a:spcPct val="100000"/>
+              </a:lnSpc>
+            </a:pPr>
             <a:r>
-              <a:rPr b="0" lang="en-US" sz="4400" spc="-1" strike="noStrike">
+              <a:rPr b="0" lang="en-US" sz="3200" spc="-1" strike="noStrike">
                 <a:solidFill>
                   <a:srgbClr val="000000"/>
                 </a:solidFill>
@@ -2084,11 +3805,30 @@
                   </a:solidFill>
                 </a:uFill>
                 <a:latin typeface="Arial"/>
+                <a:ea typeface="DejaVu Sans"/>
               </a:rPr>
-              <a:t>Heroku</a:t>
+              <a:t>-Joshua Gahan</a:t>
             </a:r>
+            <a:endParaRPr b="0" lang="en-US" sz="1800" spc="-1" strike="noStrike">
+              <a:solidFill>
+                <a:srgbClr val="000000"/>
+              </a:solidFill>
+              <a:uFill>
+                <a:solidFill>
+                  <a:srgbClr val="ffffff"/>
+                </a:solidFill>
+              </a:uFill>
+              <a:latin typeface="Arial"/>
+            </a:endParaRPr>
+          </a:p>
+          <a:p>
+            <a:pPr algn="ctr">
+              <a:lnSpc>
+                <a:spcPct val="100000"/>
+              </a:lnSpc>
+            </a:pPr>
             <a:r>
-              <a:rPr b="0" lang="en-US" sz="4400" spc="-1" strike="noStrike">
+              <a:rPr b="0" lang="en-US" sz="3200" spc="-1" strike="noStrike">
                 <a:solidFill>
                   <a:srgbClr val="000000"/>
                 </a:solidFill>
@@ -2098,89 +3838,11 @@
                   </a:solidFill>
                 </a:uFill>
                 <a:latin typeface="Arial"/>
-              </a:rPr>
-              <a:t>	</a:t>
-            </a:r>
-            <a:endParaRPr b="0" lang="en-US" sz="4400" spc="-1" strike="noStrike">
-              <a:solidFill>
-                <a:srgbClr val="000000"/>
-              </a:solidFill>
-              <a:uFill>
-                <a:solidFill>
-                  <a:srgbClr val="ffffff"/>
-                </a:solidFill>
-              </a:uFill>
-              <a:latin typeface="Arial"/>
-            </a:endParaRPr>
-          </a:p>
-        </p:txBody>
-      </p:sp>
-      <p:sp>
-        <p:nvSpPr>
-          <p:cNvPr id="40" name="TextShape 2"/>
-          <p:cNvSpPr txBox="1"/>
-          <p:nvPr/>
-        </p:nvSpPr>
-        <p:spPr>
-          <a:xfrm>
-            <a:off x="504000" y="1769040"/>
-            <a:ext cx="9071640" cy="4384440"/>
-          </a:xfrm>
-          <a:prstGeom prst="rect">
-            <a:avLst/>
-          </a:prstGeom>
-          <a:noFill/>
-          <a:ln>
-            <a:noFill/>
-          </a:ln>
-        </p:spPr>
-        <p:txBody>
-          <a:bodyPr lIns="0" rIns="0" tIns="0" bIns="0" anchor="ctr"/>
-          <a:p>
-            <a:pPr algn="ctr"/>
-            <a:r>
-              <a:rPr b="0" lang="en-US" sz="3200" spc="-1" strike="noStrike">
-                <a:solidFill>
-                  <a:srgbClr val="000000"/>
-                </a:solidFill>
-                <a:uFill>
-                  <a:solidFill>
-                    <a:srgbClr val="ffffff"/>
-                  </a:solidFill>
-                </a:uFill>
-                <a:latin typeface="Arial"/>
-              </a:rPr>
-              <a:t>-Joshua Gahan</a:t>
-            </a:r>
-            <a:endParaRPr b="0" lang="en-US" sz="3200" spc="-1" strike="noStrike">
-              <a:solidFill>
-                <a:srgbClr val="000000"/>
-              </a:solidFill>
-              <a:uFill>
-                <a:solidFill>
-                  <a:srgbClr val="ffffff"/>
-                </a:solidFill>
-              </a:uFill>
-              <a:latin typeface="Arial"/>
-            </a:endParaRPr>
-          </a:p>
-          <a:p>
-            <a:pPr algn="ctr"/>
-            <a:r>
-              <a:rPr b="0" lang="en-US" sz="3200" spc="-1" strike="noStrike">
-                <a:solidFill>
-                  <a:srgbClr val="000000"/>
-                </a:solidFill>
-                <a:uFill>
-                  <a:solidFill>
-                    <a:srgbClr val="ffffff"/>
-                  </a:solidFill>
-                </a:uFill>
-                <a:latin typeface="Arial"/>
+                <a:ea typeface="DejaVu Sans"/>
               </a:rPr>
               <a:t>CS431/531 Fall 2018</a:t>
             </a:r>
-            <a:endParaRPr b="0" lang="en-US" sz="3200" spc="-1" strike="noStrike">
+            <a:endParaRPr b="0" lang="en-US" sz="1800" spc="-1" strike="noStrike">
               <a:solidFill>
                 <a:srgbClr val="000000"/>
               </a:solidFill>
@@ -2203,310 +3865,6 @@
           <p:childTnLst>
             <p:seq>
               <p:cTn id="2" nodeType="mainSeq"/>
-              <p:prevCondLst>
-                <p:cond delay="0" evt="onPrev">
-                  <p:tgtEl>
-                    <p:sldTgt/>
-                  </p:tgtEl>
-                </p:cond>
-              </p:prevCondLst>
-              <p:nextCondLst>
-                <p:cond delay="0" evt="onNext">
-                  <p:tgtEl>
-                    <p:sldTgt/>
-                  </p:tgtEl>
-                </p:cond>
-              </p:nextCondLst>
-            </p:seq>
-          </p:childTnLst>
-        </p:cTn>
-      </p:par>
-    </p:tnLst>
-  </p:timing>
-</p:sld>
-</file>
-
-<file path=ppt/slides/slide10.xml><?xml version="1.0" encoding="utf-8"?>
-<p:sld xmlns:a="http://schemas.openxmlformats.org/drawingml/2006/main" xmlns:p="http://schemas.openxmlformats.org/presentationml/2006/main" xmlns:r="http://schemas.openxmlformats.org/officeDocument/2006/relationships" xmlns:p14="http://schemas.microsoft.com/office/powerpoint/2010/main" xmlns:p15="http://schemas.microsoft.com/office/powerpoint/2012/main" xmlns:mc="http://schemas.openxmlformats.org/markup-compatibility/2006">
-  <p:cSld>
-    <p:spTree>
-      <p:nvGrpSpPr>
-        <p:cNvPr id="1" name=""/>
-        <p:cNvGrpSpPr/>
-        <p:nvPr/>
-      </p:nvGrpSpPr>
-      <p:grpSpPr>
-        <a:xfrm>
-          <a:off x="0" y="0"/>
-          <a:ext cx="0" cy="0"/>
-          <a:chOff x="0" y="0"/>
-          <a:chExt cx="0" cy="0"/>
-        </a:xfrm>
-      </p:grpSpPr>
-      <p:sp>
-        <p:nvSpPr>
-          <p:cNvPr id="64" name="TextShape 1"/>
-          <p:cNvSpPr txBox="1"/>
-          <p:nvPr/>
-        </p:nvSpPr>
-        <p:spPr>
-          <a:xfrm>
-            <a:off x="504000" y="301320"/>
-            <a:ext cx="9071640" cy="1262160"/>
-          </a:xfrm>
-          <a:prstGeom prst="rect">
-            <a:avLst/>
-          </a:prstGeom>
-          <a:noFill/>
-          <a:ln>
-            <a:noFill/>
-          </a:ln>
-        </p:spPr>
-        <p:txBody>
-          <a:bodyPr lIns="0" rIns="0" tIns="0" bIns="0" anchor="ctr"/>
-          <a:p>
-            <a:pPr algn="ctr"/>
-            <a:r>
-              <a:rPr b="0" lang="en-US" sz="4400" spc="-1" strike="noStrike">
-                <a:solidFill>
-                  <a:srgbClr val="000000"/>
-                </a:solidFill>
-                <a:uFill>
-                  <a:solidFill>
-                    <a:srgbClr val="ffffff"/>
-                  </a:solidFill>
-                </a:uFill>
-                <a:latin typeface="Arial"/>
-              </a:rPr>
-              <a:t>Procfile</a:t>
-            </a:r>
-            <a:endParaRPr b="0" lang="en-US" sz="4400" spc="-1" strike="noStrike">
-              <a:solidFill>
-                <a:srgbClr val="000000"/>
-              </a:solidFill>
-              <a:uFill>
-                <a:solidFill>
-                  <a:srgbClr val="ffffff"/>
-                </a:solidFill>
-              </a:uFill>
-              <a:latin typeface="Arial"/>
-            </a:endParaRPr>
-          </a:p>
-        </p:txBody>
-      </p:sp>
-      <p:sp>
-        <p:nvSpPr>
-          <p:cNvPr id="65" name="TextShape 2"/>
-          <p:cNvSpPr txBox="1"/>
-          <p:nvPr/>
-        </p:nvSpPr>
-        <p:spPr>
-          <a:xfrm>
-            <a:off x="504000" y="1769040"/>
-            <a:ext cx="9071640" cy="4384440"/>
-          </a:xfrm>
-          <a:prstGeom prst="rect">
-            <a:avLst/>
-          </a:prstGeom>
-          <a:noFill/>
-          <a:ln>
-            <a:noFill/>
-          </a:ln>
-        </p:spPr>
-        <p:txBody>
-          <a:bodyPr lIns="0" rIns="0" tIns="0" bIns="0"/>
-          <a:p>
-            <a:pPr marL="432000" indent="-324000">
-              <a:buClr>
-                <a:srgbClr val="000000"/>
-              </a:buClr>
-              <a:buSzPct val="45000"/>
-              <a:buFont typeface="Wingdings" charset="2"/>
-              <a:buChar char=""/>
-            </a:pPr>
-            <a:r>
-              <a:rPr b="0" lang="en-US" sz="3200" spc="-1" strike="noStrike">
-                <a:solidFill>
-                  <a:srgbClr val="000000"/>
-                </a:solidFill>
-                <a:uFill>
-                  <a:solidFill>
-                    <a:srgbClr val="ffffff"/>
-                  </a:solidFill>
-                </a:uFill>
-                <a:latin typeface="Arial"/>
-              </a:rPr>
-              <a:t>Procfile is used by heroku to look for the first instruction to run when loaded (similar to a Dockerfile). In this case we’re using the gunicorn web server to launch our application. </a:t>
-            </a:r>
-            <a:endParaRPr b="0" lang="en-US" sz="3200" spc="-1" strike="noStrike">
-              <a:solidFill>
-                <a:srgbClr val="000000"/>
-              </a:solidFill>
-              <a:uFill>
-                <a:solidFill>
-                  <a:srgbClr val="ffffff"/>
-                </a:solidFill>
-              </a:uFill>
-              <a:latin typeface="Arial"/>
-            </a:endParaRPr>
-          </a:p>
-        </p:txBody>
-      </p:sp>
-      <p:pic>
-        <p:nvPicPr>
-          <p:cNvPr id="66" name="" descr=""/>
-          <p:cNvPicPr/>
-          <p:nvPr/>
-        </p:nvPicPr>
-        <p:blipFill>
-          <a:blip r:embed="rId1"/>
-          <a:stretch/>
-        </p:blipFill>
-        <p:spPr>
-          <a:xfrm>
-            <a:off x="695520" y="3991320"/>
-            <a:ext cx="8448480" cy="2409480"/>
-          </a:xfrm>
-          <a:prstGeom prst="rect">
-            <a:avLst/>
-          </a:prstGeom>
-          <a:ln>
-            <a:noFill/>
-          </a:ln>
-        </p:spPr>
-      </p:pic>
-    </p:spTree>
-  </p:cSld>
-  <p:timing>
-    <p:tnLst>
-      <p:par>
-        <p:cTn id="19" dur="indefinite" restart="never" nodeType="tmRoot">
-          <p:childTnLst>
-            <p:seq>
-              <p:cTn id="20" nodeType="mainSeq"/>
-              <p:prevCondLst>
-                <p:cond delay="0" evt="onPrev">
-                  <p:tgtEl>
-                    <p:sldTgt/>
-                  </p:tgtEl>
-                </p:cond>
-              </p:prevCondLst>
-              <p:nextCondLst>
-                <p:cond delay="0" evt="onNext">
-                  <p:tgtEl>
-                    <p:sldTgt/>
-                  </p:tgtEl>
-                </p:cond>
-              </p:nextCondLst>
-            </p:seq>
-          </p:childTnLst>
-        </p:cTn>
-      </p:par>
-    </p:tnLst>
-  </p:timing>
-</p:sld>
-</file>
-
-<file path=ppt/slides/slide11.xml><?xml version="1.0" encoding="utf-8"?>
-<p:sld xmlns:a="http://schemas.openxmlformats.org/drawingml/2006/main" xmlns:p="http://schemas.openxmlformats.org/presentationml/2006/main" xmlns:r="http://schemas.openxmlformats.org/officeDocument/2006/relationships" xmlns:p14="http://schemas.microsoft.com/office/powerpoint/2010/main" xmlns:p15="http://schemas.microsoft.com/office/powerpoint/2012/main" xmlns:mc="http://schemas.openxmlformats.org/markup-compatibility/2006">
-  <p:cSld>
-    <p:spTree>
-      <p:nvGrpSpPr>
-        <p:cNvPr id="1" name=""/>
-        <p:cNvGrpSpPr/>
-        <p:nvPr/>
-      </p:nvGrpSpPr>
-      <p:grpSpPr>
-        <a:xfrm>
-          <a:off x="0" y="0"/>
-          <a:ext cx="0" cy="0"/>
-          <a:chOff x="0" y="0"/>
-          <a:chExt cx="0" cy="0"/>
-        </a:xfrm>
-      </p:grpSpPr>
-      <p:sp>
-        <p:nvSpPr>
-          <p:cNvPr id="67" name="TextShape 1"/>
-          <p:cNvSpPr txBox="1"/>
-          <p:nvPr/>
-        </p:nvSpPr>
-        <p:spPr>
-          <a:xfrm>
-            <a:off x="504000" y="301320"/>
-            <a:ext cx="9071640" cy="1262160"/>
-          </a:xfrm>
-          <a:prstGeom prst="rect">
-            <a:avLst/>
-          </a:prstGeom>
-          <a:noFill/>
-          <a:ln>
-            <a:noFill/>
-          </a:ln>
-        </p:spPr>
-        <p:txBody>
-          <a:bodyPr lIns="0" rIns="0" tIns="0" bIns="0" anchor="ctr"/>
-          <a:p>
-            <a:pPr algn="ctr"/>
-            <a:r>
-              <a:rPr b="0" lang="en-US" sz="4400" spc="-1" strike="noStrike">
-                <a:solidFill>
-                  <a:srgbClr val="000000"/>
-                </a:solidFill>
-                <a:uFill>
-                  <a:solidFill>
-                    <a:srgbClr val="ffffff"/>
-                  </a:solidFill>
-                </a:uFill>
-                <a:latin typeface="Arial"/>
-              </a:rPr>
-              <a:t>Its Running!</a:t>
-            </a:r>
-            <a:endParaRPr b="0" lang="en-US" sz="4400" spc="-1" strike="noStrike">
-              <a:solidFill>
-                <a:srgbClr val="000000"/>
-              </a:solidFill>
-              <a:uFill>
-                <a:solidFill>
-                  <a:srgbClr val="ffffff"/>
-                </a:solidFill>
-              </a:uFill>
-              <a:latin typeface="Arial"/>
-            </a:endParaRPr>
-          </a:p>
-        </p:txBody>
-      </p:sp>
-      <p:pic>
-        <p:nvPicPr>
-          <p:cNvPr id="68" name="" descr=""/>
-          <p:cNvPicPr/>
-          <p:nvPr/>
-        </p:nvPicPr>
-        <p:blipFill>
-          <a:blip r:embed="rId1"/>
-          <a:stretch/>
-        </p:blipFill>
-        <p:spPr>
-          <a:xfrm>
-            <a:off x="1280160" y="2103120"/>
-            <a:ext cx="7105320" cy="4161960"/>
-          </a:xfrm>
-          <a:prstGeom prst="rect">
-            <a:avLst/>
-          </a:prstGeom>
-          <a:ln>
-            <a:noFill/>
-          </a:ln>
-        </p:spPr>
-      </p:pic>
-    </p:spTree>
-  </p:cSld>
-  <p:timing>
-    <p:tnLst>
-      <p:par>
-        <p:cTn id="21" dur="indefinite" restart="never" nodeType="tmRoot">
-          <p:childTnLst>
-            <p:seq>
-              <p:cTn id="22" nodeType="mainSeq"/>
               <p:prevCondLst>
                 <p:cond delay="0" evt="onPrev">
                   <p:tgtEl>
@@ -2549,14 +3907,14 @@
       </p:grpSpPr>
       <p:sp>
         <p:nvSpPr>
-          <p:cNvPr id="41" name="TextShape 1"/>
-          <p:cNvSpPr txBox="1"/>
+          <p:cNvPr id="74" name="CustomShape 1"/>
+          <p:cNvSpPr/>
           <p:nvPr/>
         </p:nvSpPr>
         <p:spPr>
           <a:xfrm>
             <a:off x="504000" y="301320"/>
-            <a:ext cx="9071640" cy="1262160"/>
+            <a:ext cx="9070920" cy="1261440"/>
           </a:xfrm>
           <a:prstGeom prst="rect">
             <a:avLst/>
@@ -2566,10 +3924,20 @@
             <a:noFill/>
           </a:ln>
         </p:spPr>
+        <p:style>
+          <a:lnRef idx="0"/>
+          <a:fillRef idx="0"/>
+          <a:effectRef idx="0"/>
+          <a:fontRef idx="minor"/>
+        </p:style>
         <p:txBody>
           <a:bodyPr lIns="0" rIns="0" tIns="0" bIns="0" anchor="ctr"/>
           <a:p>
-            <a:pPr algn="ctr"/>
+            <a:pPr algn="ctr">
+              <a:lnSpc>
+                <a:spcPct val="100000"/>
+              </a:lnSpc>
+            </a:pPr>
             <a:r>
               <a:rPr b="0" lang="en-US" sz="4400" spc="-1" strike="noStrike">
                 <a:solidFill>
@@ -2581,33 +3949,34 @@
                   </a:solidFill>
                 </a:uFill>
                 <a:latin typeface="Arial"/>
+                <a:ea typeface="DejaVu Sans"/>
               </a:rPr>
               <a:t>Register for a Heroku account</a:t>
             </a:r>
-            <a:endParaRPr b="0" lang="en-US" sz="4400" spc="-1" strike="noStrike">
-              <a:solidFill>
-                <a:srgbClr val="000000"/>
-              </a:solidFill>
-              <a:uFill>
-                <a:solidFill>
-                  <a:srgbClr val="ffffff"/>
-                </a:solidFill>
-              </a:uFill>
-              <a:latin typeface="Arial"/>
-            </a:endParaRPr>
-          </a:p>
-        </p:txBody>
-      </p:sp>
-      <p:sp>
-        <p:nvSpPr>
-          <p:cNvPr id="42" name="TextShape 2"/>
-          <p:cNvSpPr txBox="1"/>
+            <a:endParaRPr b="0" lang="en-US" sz="1800" spc="-1" strike="noStrike">
+              <a:solidFill>
+                <a:srgbClr val="000000"/>
+              </a:solidFill>
+              <a:uFill>
+                <a:solidFill>
+                  <a:srgbClr val="ffffff"/>
+                </a:solidFill>
+              </a:uFill>
+              <a:latin typeface="Arial"/>
+            </a:endParaRPr>
+          </a:p>
+        </p:txBody>
+      </p:sp>
+      <p:sp>
+        <p:nvSpPr>
+          <p:cNvPr id="75" name="CustomShape 2"/>
+          <p:cNvSpPr/>
           <p:nvPr/>
         </p:nvSpPr>
         <p:spPr>
           <a:xfrm>
             <a:off x="504000" y="1769040"/>
-            <a:ext cx="9071640" cy="4384440"/>
+            <a:ext cx="9070920" cy="4383720"/>
           </a:xfrm>
           <a:prstGeom prst="rect">
             <a:avLst/>
@@ -2617,10 +3986,19 @@
             <a:noFill/>
           </a:ln>
         </p:spPr>
+        <p:style>
+          <a:lnRef idx="0"/>
+          <a:fillRef idx="0"/>
+          <a:effectRef idx="0"/>
+          <a:fontRef idx="minor"/>
+        </p:style>
         <p:txBody>
           <a:bodyPr lIns="0" rIns="0" tIns="0" bIns="0"/>
           <a:p>
-            <a:pPr marL="432000" indent="-324000">
+            <a:pPr marL="432000" indent="-323280">
+              <a:lnSpc>
+                <a:spcPct val="100000"/>
+              </a:lnSpc>
               <a:buClr>
                 <a:srgbClr val="000000"/>
               </a:buClr>
@@ -2639,10 +4017,11 @@
                   </a:solidFill>
                 </a:uFill>
                 <a:latin typeface="Arial"/>
+                <a:ea typeface="DejaVu Sans"/>
               </a:rPr>
               <a:t>https://www.heroku.com/free</a:t>
             </a:r>
-            <a:endParaRPr b="0" lang="en-US" sz="3200" spc="-1" strike="noStrike">
+            <a:endParaRPr b="0" lang="en-US" sz="1800" spc="-1" strike="noStrike">
               <a:solidFill>
                 <a:srgbClr val="000000"/>
               </a:solidFill>
@@ -2658,7 +4037,7 @@
       </p:sp>
       <p:pic>
         <p:nvPicPr>
-          <p:cNvPr id="43" name="" descr=""/>
+          <p:cNvPr id="76" name="" descr=""/>
           <p:cNvPicPr/>
           <p:nvPr/>
         </p:nvPicPr>
@@ -2669,7 +4048,7 @@
         <p:spPr>
           <a:xfrm>
             <a:off x="850320" y="2313360"/>
-            <a:ext cx="3355920" cy="4818960"/>
+            <a:ext cx="3355200" cy="4818240"/>
           </a:xfrm>
           <a:prstGeom prst="rect">
             <a:avLst/>
@@ -2681,7 +4060,7 @@
       </p:pic>
       <p:pic>
         <p:nvPicPr>
-          <p:cNvPr id="44" name="" descr=""/>
+          <p:cNvPr id="77" name="" descr=""/>
           <p:cNvPicPr/>
           <p:nvPr/>
         </p:nvPicPr>
@@ -2692,7 +4071,7 @@
         <p:spPr>
           <a:xfrm>
             <a:off x="4773240" y="2377440"/>
-            <a:ext cx="3714480" cy="2781000"/>
+            <a:ext cx="3713760" cy="2780280"/>
           </a:xfrm>
           <a:prstGeom prst="rect">
             <a:avLst/>
@@ -2753,14 +4132,14 @@
       </p:grpSpPr>
       <p:sp>
         <p:nvSpPr>
-          <p:cNvPr id="45" name="TextShape 1"/>
-          <p:cNvSpPr txBox="1"/>
+          <p:cNvPr id="78" name="CustomShape 1"/>
+          <p:cNvSpPr/>
           <p:nvPr/>
         </p:nvSpPr>
         <p:spPr>
           <a:xfrm>
             <a:off x="504000" y="301320"/>
-            <a:ext cx="9071640" cy="1262160"/>
+            <a:ext cx="9070920" cy="1261440"/>
           </a:xfrm>
           <a:prstGeom prst="rect">
             <a:avLst/>
@@ -2770,10 +4149,20 @@
             <a:noFill/>
           </a:ln>
         </p:spPr>
+        <p:style>
+          <a:lnRef idx="0"/>
+          <a:fillRef idx="0"/>
+          <a:effectRef idx="0"/>
+          <a:fontRef idx="minor"/>
+        </p:style>
         <p:txBody>
           <a:bodyPr lIns="0" rIns="0" tIns="0" bIns="0" anchor="ctr"/>
           <a:p>
-            <a:pPr algn="ctr"/>
+            <a:pPr algn="ctr">
+              <a:lnSpc>
+                <a:spcPct val="100000"/>
+              </a:lnSpc>
+            </a:pPr>
             <a:r>
               <a:rPr b="0" lang="en-US" sz="4400" spc="-1" strike="noStrike">
                 <a:solidFill>
@@ -2785,10 +4174,11 @@
                   </a:solidFill>
                 </a:uFill>
                 <a:latin typeface="Arial"/>
+                <a:ea typeface="DejaVu Sans"/>
               </a:rPr>
-              <a:t>Create a new app</a:t>
+              <a:t>Install Heroku</a:t>
             </a:r>
-            <a:endParaRPr b="0" lang="en-US" sz="4400" spc="-1" strike="noStrike">
+            <a:endParaRPr b="0" lang="en-US" sz="1800" spc="-1" strike="noStrike">
               <a:solidFill>
                 <a:srgbClr val="000000"/>
               </a:solidFill>
@@ -2804,7 +4194,7 @@
       </p:sp>
       <p:pic>
         <p:nvPicPr>
-          <p:cNvPr id="46" name="" descr=""/>
+          <p:cNvPr id="79" name="" descr=""/>
           <p:cNvPicPr/>
           <p:nvPr/>
         </p:nvPicPr>
@@ -2814,8 +4204,8 @@
         </p:blipFill>
         <p:spPr>
           <a:xfrm>
-            <a:off x="146160" y="1737360"/>
-            <a:ext cx="9180720" cy="4535280"/>
+            <a:off x="1461600" y="1707120"/>
+            <a:ext cx="7133040" cy="4875840"/>
           </a:xfrm>
           <a:prstGeom prst="rect">
             <a:avLst/>
@@ -2876,14 +4266,14 @@
       </p:grpSpPr>
       <p:sp>
         <p:nvSpPr>
-          <p:cNvPr id="47" name="TextShape 1"/>
-          <p:cNvSpPr txBox="1"/>
+          <p:cNvPr id="80" name="CustomShape 1"/>
+          <p:cNvSpPr/>
           <p:nvPr/>
         </p:nvSpPr>
         <p:spPr>
           <a:xfrm>
             <a:off x="504000" y="301320"/>
-            <a:ext cx="9071640" cy="1262160"/>
+            <a:ext cx="9070920" cy="1261440"/>
           </a:xfrm>
           <a:prstGeom prst="rect">
             <a:avLst/>
@@ -2893,10 +4283,20 @@
             <a:noFill/>
           </a:ln>
         </p:spPr>
+        <p:style>
+          <a:lnRef idx="0"/>
+          <a:fillRef idx="0"/>
+          <a:effectRef idx="0"/>
+          <a:fontRef idx="minor"/>
+        </p:style>
         <p:txBody>
           <a:bodyPr lIns="0" rIns="0" tIns="0" bIns="0" anchor="ctr"/>
           <a:p>
-            <a:pPr algn="ctr"/>
+            <a:pPr algn="ctr">
+              <a:lnSpc>
+                <a:spcPct val="100000"/>
+              </a:lnSpc>
+            </a:pPr>
             <a:r>
               <a:rPr b="0" lang="en-US" sz="4400" spc="-1" strike="noStrike">
                 <a:solidFill>
@@ -2908,10 +4308,11 @@
                   </a:solidFill>
                 </a:uFill>
                 <a:latin typeface="Arial"/>
+                <a:ea typeface="DejaVu Sans"/>
               </a:rPr>
-              <a:t>Connect to Github</a:t>
+              <a:t>Login to Heroku and clone the ‘getting started.git’ for your language</a:t>
             </a:r>
-            <a:endParaRPr b="0" lang="en-US" sz="4400" spc="-1" strike="noStrike">
+            <a:endParaRPr b="0" lang="en-US" sz="1800" spc="-1" strike="noStrike">
               <a:solidFill>
                 <a:srgbClr val="000000"/>
               </a:solidFill>
@@ -2927,7 +4328,7 @@
       </p:sp>
       <p:pic>
         <p:nvPicPr>
-          <p:cNvPr id="48" name="" descr=""/>
+          <p:cNvPr id="81" name="" descr=""/>
           <p:cNvPicPr/>
           <p:nvPr/>
         </p:nvPicPr>
@@ -2937,8 +4338,31 @@
         </p:blipFill>
         <p:spPr>
           <a:xfrm>
-            <a:off x="504000" y="1828800"/>
-            <a:ext cx="9107280" cy="5183280"/>
+            <a:off x="169920" y="1554480"/>
+            <a:ext cx="9796320" cy="1476720"/>
+          </a:xfrm>
+          <a:prstGeom prst="rect">
+            <a:avLst/>
+          </a:prstGeom>
+          <a:ln>
+            <a:noFill/>
+          </a:ln>
+        </p:spPr>
+      </p:pic>
+      <p:pic>
+        <p:nvPicPr>
+          <p:cNvPr id="82" name="" descr=""/>
+          <p:cNvPicPr/>
+          <p:nvPr/>
+        </p:nvPicPr>
+        <p:blipFill>
+          <a:blip r:embed="rId2"/>
+          <a:stretch/>
+        </p:blipFill>
+        <p:spPr>
+          <a:xfrm>
+            <a:off x="91440" y="3162600"/>
+            <a:ext cx="9839160" cy="2414520"/>
           </a:xfrm>
           <a:prstGeom prst="rect">
             <a:avLst/>
@@ -2999,14 +4423,14 @@
       </p:grpSpPr>
       <p:sp>
         <p:nvSpPr>
-          <p:cNvPr id="49" name="TextShape 1"/>
-          <p:cNvSpPr txBox="1"/>
+          <p:cNvPr id="83" name="CustomShape 1"/>
+          <p:cNvSpPr/>
           <p:nvPr/>
         </p:nvSpPr>
         <p:spPr>
           <a:xfrm>
             <a:off x="504000" y="301320"/>
-            <a:ext cx="9071640" cy="1262160"/>
+            <a:ext cx="9070920" cy="1261440"/>
           </a:xfrm>
           <a:prstGeom prst="rect">
             <a:avLst/>
@@ -3016,10 +4440,20 @@
             <a:noFill/>
           </a:ln>
         </p:spPr>
+        <p:style>
+          <a:lnRef idx="0"/>
+          <a:fillRef idx="0"/>
+          <a:effectRef idx="0"/>
+          <a:fontRef idx="minor"/>
+        </p:style>
         <p:txBody>
           <a:bodyPr lIns="0" rIns="0" tIns="0" bIns="0" anchor="ctr"/>
           <a:p>
-            <a:pPr algn="ctr"/>
+            <a:pPr algn="ctr">
+              <a:lnSpc>
+                <a:spcPct val="100000"/>
+              </a:lnSpc>
+            </a:pPr>
             <a:r>
               <a:rPr b="0" lang="en-US" sz="4400" spc="-1" strike="noStrike">
                 <a:solidFill>
@@ -3031,10 +4465,96 @@
                   </a:solidFill>
                 </a:uFill>
                 <a:latin typeface="Arial"/>
+                <a:ea typeface="DejaVu Sans"/>
               </a:rPr>
-              <a:t>Install Heroku</a:t>
+              <a:t>Create heroku app and deploy</a:t>
             </a:r>
-            <a:endParaRPr b="0" lang="en-US" sz="4400" spc="-1" strike="noStrike">
+            <a:endParaRPr b="0" lang="en-US" sz="1800" spc="-1" strike="noStrike">
+              <a:solidFill>
+                <a:srgbClr val="000000"/>
+              </a:solidFill>
+              <a:uFill>
+                <a:solidFill>
+                  <a:srgbClr val="ffffff"/>
+                </a:solidFill>
+              </a:uFill>
+              <a:latin typeface="Arial"/>
+            </a:endParaRPr>
+          </a:p>
+        </p:txBody>
+      </p:sp>
+      <p:sp>
+        <p:nvSpPr>
+          <p:cNvPr id="84" name="CustomShape 2"/>
+          <p:cNvSpPr/>
+          <p:nvPr/>
+        </p:nvSpPr>
+        <p:spPr>
+          <a:xfrm>
+            <a:off x="1005840" y="1645920"/>
+            <a:ext cx="8575560" cy="601560"/>
+          </a:xfrm>
+          <a:prstGeom prst="rect">
+            <a:avLst/>
+          </a:prstGeom>
+          <a:noFill/>
+          <a:ln>
+            <a:noFill/>
+          </a:ln>
+        </p:spPr>
+        <p:style>
+          <a:lnRef idx="0"/>
+          <a:fillRef idx="0"/>
+          <a:effectRef idx="0"/>
+          <a:fontRef idx="minor"/>
+        </p:style>
+        <p:txBody>
+          <a:bodyPr lIns="90000" rIns="90000" tIns="45000" bIns="45000"/>
+          <a:p>
+            <a:r>
+              <a:rPr b="0" lang="en-US" sz="1800" spc="-1" strike="noStrike">
+                <a:solidFill>
+                  <a:srgbClr val="000000"/>
+                </a:solidFill>
+                <a:uFill>
+                  <a:solidFill>
+                    <a:srgbClr val="ffffff"/>
+                  </a:solidFill>
+                </a:uFill>
+                <a:latin typeface="Arial"/>
+                <a:ea typeface="DejaVu Sans"/>
+              </a:rPr>
+              <a:t>*Note during create, you may pass your app name as a parameter, otherwise it will </a:t>
+            </a:r>
+            <a:endParaRPr b="0" lang="en-US" sz="1800" spc="-1" strike="noStrike">
+              <a:solidFill>
+                <a:srgbClr val="000000"/>
+              </a:solidFill>
+              <a:uFill>
+                <a:solidFill>
+                  <a:srgbClr val="ffffff"/>
+                </a:solidFill>
+              </a:uFill>
+              <a:latin typeface="Arial"/>
+            </a:endParaRPr>
+          </a:p>
+          <a:p>
+            <a:r>
+              <a:rPr b="0" lang="en-US" sz="1800" spc="-1" strike="noStrike">
+                <a:solidFill>
+                  <a:srgbClr val="000000"/>
+                </a:solidFill>
+                <a:uFill>
+                  <a:solidFill>
+                    <a:srgbClr val="ffffff"/>
+                  </a:solidFill>
+                </a:uFill>
+                <a:latin typeface="Arial"/>
+                <a:ea typeface="DejaVu Sans"/>
+              </a:rPr>
+              <a:t>Assign your app a name (afternoon-spire-57353 in this case) </a:t>
+            </a:r>
+            <a:endParaRPr b="0" lang="en-US" sz="1800" spc="-1" strike="noStrike">
               <a:solidFill>
                 <a:srgbClr val="000000"/>
               </a:solidFill>
@@ -3050,7 +4570,7 @@
       </p:sp>
       <p:pic>
         <p:nvPicPr>
-          <p:cNvPr id="50" name="" descr=""/>
+          <p:cNvPr id="85" name="" descr=""/>
           <p:cNvPicPr/>
           <p:nvPr/>
         </p:nvPicPr>
@@ -3060,8 +4580,8 @@
         </p:blipFill>
         <p:spPr>
           <a:xfrm>
-            <a:off x="1461600" y="1707120"/>
-            <a:ext cx="7133760" cy="4876560"/>
+            <a:off x="640080" y="2505600"/>
+            <a:ext cx="8476200" cy="3437280"/>
           </a:xfrm>
           <a:prstGeom prst="rect">
             <a:avLst/>
@@ -3122,14 +4642,14 @@
       </p:grpSpPr>
       <p:sp>
         <p:nvSpPr>
-          <p:cNvPr id="51" name="TextShape 1"/>
-          <p:cNvSpPr txBox="1"/>
+          <p:cNvPr id="86" name="CustomShape 1"/>
+          <p:cNvSpPr/>
           <p:nvPr/>
         </p:nvSpPr>
         <p:spPr>
           <a:xfrm>
             <a:off x="504000" y="301320"/>
-            <a:ext cx="9071640" cy="1262160"/>
+            <a:ext cx="9070920" cy="1261440"/>
           </a:xfrm>
           <a:prstGeom prst="rect">
             <a:avLst/>
@@ -3139,10 +4659,20 @@
             <a:noFill/>
           </a:ln>
         </p:spPr>
+        <p:style>
+          <a:lnRef idx="0"/>
+          <a:fillRef idx="0"/>
+          <a:effectRef idx="0"/>
+          <a:fontRef idx="minor"/>
+        </p:style>
         <p:txBody>
           <a:bodyPr lIns="0" rIns="0" tIns="0" bIns="0" anchor="ctr"/>
           <a:p>
-            <a:pPr algn="ctr"/>
+            <a:pPr algn="ctr">
+              <a:lnSpc>
+                <a:spcPct val="100000"/>
+              </a:lnSpc>
+            </a:pPr>
             <a:r>
               <a:rPr b="0" lang="en-US" sz="4400" spc="-1" strike="noStrike">
                 <a:solidFill>
@@ -3154,10 +4684,11 @@
                   </a:solidFill>
                 </a:uFill>
                 <a:latin typeface="Arial"/>
+                <a:ea typeface="DejaVu Sans"/>
               </a:rPr>
-              <a:t>Login to Heroku and clone the ‘getting started.git’ for your language</a:t>
+              <a:t>Deployed sample Heroku Server</a:t>
             </a:r>
-            <a:endParaRPr b="0" lang="en-US" sz="4400" spc="-1" strike="noStrike">
+            <a:endParaRPr b="0" lang="en-US" sz="1800" spc="-1" strike="noStrike">
               <a:solidFill>
                 <a:srgbClr val="000000"/>
               </a:solidFill>
@@ -3173,7 +4704,7 @@
       </p:sp>
       <p:pic>
         <p:nvPicPr>
-          <p:cNvPr id="52" name="" descr=""/>
+          <p:cNvPr id="87" name="" descr=""/>
           <p:cNvPicPr/>
           <p:nvPr/>
         </p:nvPicPr>
@@ -3183,31 +4714,8 @@
         </p:blipFill>
         <p:spPr>
           <a:xfrm>
-            <a:off x="169920" y="1554480"/>
-            <a:ext cx="9797040" cy="1477440"/>
-          </a:xfrm>
-          <a:prstGeom prst="rect">
-            <a:avLst/>
-          </a:prstGeom>
-          <a:ln>
-            <a:noFill/>
-          </a:ln>
-        </p:spPr>
-      </p:pic>
-      <p:pic>
-        <p:nvPicPr>
-          <p:cNvPr id="53" name="" descr=""/>
-          <p:cNvPicPr/>
-          <p:nvPr/>
-        </p:nvPicPr>
-        <p:blipFill>
-          <a:blip r:embed="rId2"/>
-          <a:stretch/>
-        </p:blipFill>
-        <p:spPr>
-          <a:xfrm>
-            <a:off x="91440" y="3162600"/>
-            <a:ext cx="9839880" cy="2415240"/>
+            <a:off x="182880" y="1323000"/>
+            <a:ext cx="9691920" cy="6540120"/>
           </a:xfrm>
           <a:prstGeom prst="rect">
             <a:avLst/>
@@ -3268,14 +4776,14 @@
       </p:grpSpPr>
       <p:sp>
         <p:nvSpPr>
-          <p:cNvPr id="54" name="TextShape 1"/>
-          <p:cNvSpPr txBox="1"/>
+          <p:cNvPr id="88" name="CustomShape 1"/>
+          <p:cNvSpPr/>
           <p:nvPr/>
         </p:nvSpPr>
         <p:spPr>
           <a:xfrm>
             <a:off x="504000" y="301320"/>
-            <a:ext cx="9071640" cy="1262160"/>
+            <a:ext cx="9070920" cy="1261440"/>
           </a:xfrm>
           <a:prstGeom prst="rect">
             <a:avLst/>
@@ -3285,10 +4793,15 @@
             <a:noFill/>
           </a:ln>
         </p:spPr>
+        <p:style>
+          <a:lnRef idx="0"/>
+          <a:fillRef idx="0"/>
+          <a:effectRef idx="0"/>
+          <a:fontRef idx="minor"/>
+        </p:style>
         <p:txBody>
           <a:bodyPr lIns="0" rIns="0" tIns="0" bIns="0" anchor="ctr"/>
           <a:p>
-            <a:pPr algn="ctr"/>
             <a:r>
               <a:rPr b="0" lang="en-US" sz="4400" spc="-1" strike="noStrike">
                 <a:solidFill>
@@ -3300,47 +4813,30 @@
                   </a:solidFill>
                 </a:uFill>
                 <a:latin typeface="Arial"/>
+                <a:ea typeface="DejaVu Sans"/>
               </a:rPr>
-              <a:t>Create heroku app and deploy</a:t>
+              <a:t>Process is virtually the same  w/o </a:t>
             </a:r>
-            <a:endParaRPr b="0" lang="en-US" sz="4400" spc="-1" strike="noStrike">
-              <a:solidFill>
-                <a:srgbClr val="000000"/>
-              </a:solidFill>
-              <a:uFill>
-                <a:solidFill>
-                  <a:srgbClr val="ffffff"/>
-                </a:solidFill>
-              </a:uFill>
-              <a:latin typeface="Arial"/>
-            </a:endParaRPr>
-          </a:p>
-        </p:txBody>
-      </p:sp>
-      <p:sp>
-        <p:nvSpPr>
-          <p:cNvPr id="55" name="TextShape 2"/>
-          <p:cNvSpPr txBox="1"/>
-          <p:nvPr/>
-        </p:nvSpPr>
-        <p:spPr>
-          <a:xfrm>
-            <a:off x="1005840" y="1645920"/>
-            <a:ext cx="8576280" cy="602280"/>
-          </a:xfrm>
-          <a:prstGeom prst="rect">
-            <a:avLst/>
-          </a:prstGeom>
-          <a:noFill/>
-          <a:ln>
-            <a:noFill/>
-          </a:ln>
-        </p:spPr>
-        <p:txBody>
-          <a:bodyPr lIns="90000" rIns="90000" tIns="45000" bIns="45000"/>
-          <a:p>
+            <a:endParaRPr b="0" lang="en-US" sz="1800" spc="-1" strike="noStrike">
+              <a:solidFill>
+                <a:srgbClr val="000000"/>
+              </a:solidFill>
+              <a:uFill>
+                <a:solidFill>
+                  <a:srgbClr val="ffffff"/>
+                </a:solidFill>
+              </a:uFill>
+              <a:latin typeface="Arial"/>
+            </a:endParaRPr>
+          </a:p>
+          <a:p>
+            <a:pPr algn="ctr">
+              <a:lnSpc>
+                <a:spcPct val="100000"/>
+              </a:lnSpc>
+            </a:pPr>
             <a:r>
-              <a:rPr b="0" lang="en-US" sz="1800" spc="-1" strike="noStrike">
+              <a:rPr b="0" lang="en-US" sz="4400" spc="-1" strike="noStrike">
                 <a:solidFill>
                   <a:srgbClr val="000000"/>
                 </a:solidFill>
@@ -3350,8 +4846,9 @@
                   </a:solidFill>
                 </a:uFill>
                 <a:latin typeface="Arial"/>
+                <a:ea typeface="DejaVu Sans"/>
               </a:rPr>
-              <a:t>*Note during create, you may pass your app name as a parameter, otherwise it will </a:t>
+              <a:t>the sample project</a:t>
             </a:r>
             <a:endParaRPr b="0" lang="en-US" sz="1800" spc="-1" strike="noStrike">
               <a:solidFill>
@@ -3365,38 +4862,11 @@
               <a:latin typeface="Arial"/>
             </a:endParaRPr>
           </a:p>
-          <a:p>
-            <a:r>
-              <a:rPr b="0" lang="en-US" sz="1800" spc="-1" strike="noStrike">
-                <a:solidFill>
-                  <a:srgbClr val="000000"/>
-                </a:solidFill>
-                <a:uFill>
-                  <a:solidFill>
-                    <a:srgbClr val="ffffff"/>
-                  </a:solidFill>
-                </a:uFill>
-                <a:latin typeface="Arial"/>
-              </a:rPr>
-              <a:t>Assign your app a name (afternoon-spire-57353 in this case) </a:t>
-            </a:r>
-            <a:endParaRPr b="0" lang="en-US" sz="1800" spc="-1" strike="noStrike">
-              <a:solidFill>
-                <a:srgbClr val="000000"/>
-              </a:solidFill>
-              <a:uFill>
-                <a:solidFill>
-                  <a:srgbClr val="ffffff"/>
-                </a:solidFill>
-              </a:uFill>
-              <a:latin typeface="Arial"/>
-            </a:endParaRPr>
-          </a:p>
         </p:txBody>
       </p:sp>
       <p:pic>
         <p:nvPicPr>
-          <p:cNvPr id="56" name="" descr=""/>
+          <p:cNvPr id="89" name="" descr=""/>
           <p:cNvPicPr/>
           <p:nvPr/>
         </p:nvPicPr>
@@ -3406,8 +4876,8 @@
         </p:blipFill>
         <p:spPr>
           <a:xfrm>
-            <a:off x="640080" y="2505600"/>
-            <a:ext cx="8476920" cy="3438000"/>
+            <a:off x="70200" y="1645920"/>
+            <a:ext cx="9947880" cy="733680"/>
           </a:xfrm>
           <a:prstGeom prst="rect">
             <a:avLst/>
@@ -3417,6 +4887,137 @@
           </a:ln>
         </p:spPr>
       </p:pic>
+      <p:pic>
+        <p:nvPicPr>
+          <p:cNvPr id="90" name="" descr=""/>
+          <p:cNvPicPr/>
+          <p:nvPr/>
+        </p:nvPicPr>
+        <p:blipFill>
+          <a:blip r:embed="rId2"/>
+          <a:stretch/>
+        </p:blipFill>
+        <p:spPr>
+          <a:xfrm>
+            <a:off x="360" y="2468880"/>
+            <a:ext cx="10078920" cy="663120"/>
+          </a:xfrm>
+          <a:prstGeom prst="rect">
+            <a:avLst/>
+          </a:prstGeom>
+          <a:ln>
+            <a:noFill/>
+          </a:ln>
+        </p:spPr>
+      </p:pic>
+      <p:pic>
+        <p:nvPicPr>
+          <p:cNvPr id="91" name="" descr=""/>
+          <p:cNvPicPr/>
+          <p:nvPr/>
+        </p:nvPicPr>
+        <p:blipFill>
+          <a:blip r:embed="rId3"/>
+          <a:stretch/>
+        </p:blipFill>
+        <p:spPr>
+          <a:xfrm>
+            <a:off x="91440" y="3200400"/>
+            <a:ext cx="8438040" cy="2608920"/>
+          </a:xfrm>
+          <a:prstGeom prst="rect">
+            <a:avLst/>
+          </a:prstGeom>
+          <a:ln>
+            <a:noFill/>
+          </a:ln>
+        </p:spPr>
+      </p:pic>
+      <p:sp>
+        <p:nvSpPr>
+          <p:cNvPr id="92" name="CustomShape 2"/>
+          <p:cNvSpPr/>
+          <p:nvPr/>
+        </p:nvSpPr>
+        <p:spPr>
+          <a:xfrm>
+            <a:off x="182880" y="6032520"/>
+            <a:ext cx="9326880" cy="601560"/>
+          </a:xfrm>
+          <a:prstGeom prst="rect">
+            <a:avLst/>
+          </a:prstGeom>
+          <a:noFill/>
+          <a:ln>
+            <a:noFill/>
+          </a:ln>
+        </p:spPr>
+        <p:style>
+          <a:lnRef idx="0"/>
+          <a:fillRef idx="0"/>
+          <a:effectRef idx="0"/>
+          <a:fontRef idx="minor"/>
+        </p:style>
+        <p:txBody>
+          <a:bodyPr lIns="90000" rIns="90000" tIns="45000" bIns="45000"/>
+          <a:p>
+            <a:r>
+              <a:rPr b="0" lang="en-US" sz="1800" spc="-1" strike="noStrike">
+                <a:solidFill>
+                  <a:srgbClr val="000000"/>
+                </a:solidFill>
+                <a:uFill>
+                  <a:solidFill>
+                    <a:srgbClr val="ffffff"/>
+                  </a:solidFill>
+                </a:uFill>
+                <a:latin typeface="Arial"/>
+                <a:ea typeface="DejaVu Sans"/>
+              </a:rPr>
+              <a:t>The Important bits here are the “Procfile” (next slide) and heroku create. Create will create </a:t>
+            </a:r>
+            <a:endParaRPr b="0" lang="en-US" sz="1800" spc="-1" strike="noStrike">
+              <a:solidFill>
+                <a:srgbClr val="000000"/>
+              </a:solidFill>
+              <a:uFill>
+                <a:solidFill>
+                  <a:srgbClr val="ffffff"/>
+                </a:solidFill>
+              </a:uFill>
+              <a:latin typeface="Arial"/>
+            </a:endParaRPr>
+          </a:p>
+          <a:p>
+            <a:r>
+              <a:rPr b="0" lang="en-US" sz="1800" spc="-1" strike="noStrike">
+                <a:solidFill>
+                  <a:srgbClr val="000000"/>
+                </a:solidFill>
+                <a:uFill>
+                  <a:solidFill>
+                    <a:srgbClr val="ffffff"/>
+                  </a:solidFill>
+                </a:uFill>
+                <a:latin typeface="Arial"/>
+                <a:ea typeface="DejaVu Sans"/>
+              </a:rPr>
+              <a:t>A link for the app as well as a .git for it. </a:t>
+            </a:r>
+            <a:endParaRPr b="0" lang="en-US" sz="1800" spc="-1" strike="noStrike">
+              <a:solidFill>
+                <a:srgbClr val="000000"/>
+              </a:solidFill>
+              <a:uFill>
+                <a:solidFill>
+                  <a:srgbClr val="ffffff"/>
+                </a:solidFill>
+              </a:uFill>
+              <a:latin typeface="Arial"/>
+            </a:endParaRPr>
+          </a:p>
+        </p:txBody>
+      </p:sp>
     </p:spTree>
   </p:cSld>
   <p:timing>
@@ -3468,14 +5069,14 @@
       </p:grpSpPr>
       <p:sp>
         <p:nvSpPr>
-          <p:cNvPr id="57" name="TextShape 1"/>
-          <p:cNvSpPr txBox="1"/>
+          <p:cNvPr id="93" name="CustomShape 1"/>
+          <p:cNvSpPr/>
           <p:nvPr/>
         </p:nvSpPr>
         <p:spPr>
           <a:xfrm>
             <a:off x="504000" y="301320"/>
-            <a:ext cx="9071640" cy="1262160"/>
+            <a:ext cx="9070920" cy="1261440"/>
           </a:xfrm>
           <a:prstGeom prst="rect">
             <a:avLst/>
@@ -3485,10 +5086,20 @@
             <a:noFill/>
           </a:ln>
         </p:spPr>
+        <p:style>
+          <a:lnRef idx="0"/>
+          <a:fillRef idx="0"/>
+          <a:effectRef idx="0"/>
+          <a:fontRef idx="minor"/>
+        </p:style>
         <p:txBody>
           <a:bodyPr lIns="0" rIns="0" tIns="0" bIns="0" anchor="ctr"/>
           <a:p>
-            <a:pPr algn="ctr"/>
+            <a:pPr algn="ctr">
+              <a:lnSpc>
+                <a:spcPct val="100000"/>
+              </a:lnSpc>
+            </a:pPr>
             <a:r>
               <a:rPr b="0" lang="en-US" sz="4400" spc="-1" strike="noStrike">
                 <a:solidFill>
@@ -3500,10 +5111,79 @@
                   </a:solidFill>
                 </a:uFill>
                 <a:latin typeface="Arial"/>
+                <a:ea typeface="DejaVu Sans"/>
               </a:rPr>
-              <a:t>Deployed sample Heroku Server</a:t>
+              <a:t>Procfile</a:t>
             </a:r>
-            <a:endParaRPr b="0" lang="en-US" sz="4400" spc="-1" strike="noStrike">
+            <a:endParaRPr b="0" lang="en-US" sz="1800" spc="-1" strike="noStrike">
+              <a:solidFill>
+                <a:srgbClr val="000000"/>
+              </a:solidFill>
+              <a:uFill>
+                <a:solidFill>
+                  <a:srgbClr val="ffffff"/>
+                </a:solidFill>
+              </a:uFill>
+              <a:latin typeface="Arial"/>
+            </a:endParaRPr>
+          </a:p>
+        </p:txBody>
+      </p:sp>
+      <p:sp>
+        <p:nvSpPr>
+          <p:cNvPr id="94" name="CustomShape 2"/>
+          <p:cNvSpPr/>
+          <p:nvPr/>
+        </p:nvSpPr>
+        <p:spPr>
+          <a:xfrm>
+            <a:off x="504000" y="1769040"/>
+            <a:ext cx="9070920" cy="4383720"/>
+          </a:xfrm>
+          <a:prstGeom prst="rect">
+            <a:avLst/>
+          </a:prstGeom>
+          <a:noFill/>
+          <a:ln>
+            <a:noFill/>
+          </a:ln>
+        </p:spPr>
+        <p:style>
+          <a:lnRef idx="0"/>
+          <a:fillRef idx="0"/>
+          <a:effectRef idx="0"/>
+          <a:fontRef idx="minor"/>
+        </p:style>
+        <p:txBody>
+          <a:bodyPr lIns="0" rIns="0" tIns="0" bIns="0"/>
+          <a:p>
+            <a:pPr marL="432000" indent="-323280">
+              <a:lnSpc>
+                <a:spcPct val="100000"/>
+              </a:lnSpc>
+              <a:buClr>
+                <a:srgbClr val="000000"/>
+              </a:buClr>
+              <a:buSzPct val="45000"/>
+              <a:buFont typeface="Wingdings" charset="2"/>
+              <a:buChar char=""/>
+            </a:pPr>
+            <a:r>
+              <a:rPr b="0" lang="en-US" sz="3200" spc="-1" strike="noStrike">
+                <a:solidFill>
+                  <a:srgbClr val="000000"/>
+                </a:solidFill>
+                <a:uFill>
+                  <a:solidFill>
+                    <a:srgbClr val="ffffff"/>
+                  </a:solidFill>
+                </a:uFill>
+                <a:latin typeface="Arial"/>
+                <a:ea typeface="DejaVu Sans"/>
+              </a:rPr>
+              <a:t>Procfile is used by heroku to look for the first instruction to run when loaded (similar to a Dockerfile). In this case we’re using the gunicorn web server to launch our application. </a:t>
+            </a:r>
+            <a:endParaRPr b="0" lang="en-US" sz="1800" spc="-1" strike="noStrike">
               <a:solidFill>
                 <a:srgbClr val="000000"/>
               </a:solidFill>
@@ -3519,7 +5199,7 @@
       </p:sp>
       <p:pic>
         <p:nvPicPr>
-          <p:cNvPr id="58" name="" descr=""/>
+          <p:cNvPr id="95" name="" descr=""/>
           <p:cNvPicPr/>
           <p:nvPr/>
         </p:nvPicPr>
@@ -3529,8 +5209,8 @@
         </p:blipFill>
         <p:spPr>
           <a:xfrm>
-            <a:off x="182880" y="1323000"/>
-            <a:ext cx="9692640" cy="6540840"/>
+            <a:off x="695520" y="3991320"/>
+            <a:ext cx="8447760" cy="2408760"/>
           </a:xfrm>
           <a:prstGeom prst="rect">
             <a:avLst/>
@@ -3591,14 +5271,14 @@
       </p:grpSpPr>
       <p:sp>
         <p:nvSpPr>
-          <p:cNvPr id="59" name="TextShape 1"/>
-          <p:cNvSpPr txBox="1"/>
+          <p:cNvPr id="96" name="CustomShape 1"/>
+          <p:cNvSpPr/>
           <p:nvPr/>
         </p:nvSpPr>
         <p:spPr>
           <a:xfrm>
             <a:off x="504000" y="301320"/>
-            <a:ext cx="9071640" cy="1262160"/>
+            <a:ext cx="9070920" cy="1261440"/>
           </a:xfrm>
           <a:prstGeom prst="rect">
             <a:avLst/>
@@ -3608,10 +5288,20 @@
             <a:noFill/>
           </a:ln>
         </p:spPr>
+        <p:style>
+          <a:lnRef idx="0"/>
+          <a:fillRef idx="0"/>
+          <a:effectRef idx="0"/>
+          <a:fontRef idx="minor"/>
+        </p:style>
         <p:txBody>
           <a:bodyPr lIns="0" rIns="0" tIns="0" bIns="0" anchor="ctr"/>
           <a:p>
-            <a:pPr algn="ctr"/>
+            <a:pPr algn="ctr">
+              <a:lnSpc>
+                <a:spcPct val="100000"/>
+              </a:lnSpc>
+            </a:pPr>
             <a:r>
               <a:rPr b="0" lang="en-US" sz="4400" spc="-1" strike="noStrike">
                 <a:solidFill>
@@ -3623,39 +5313,11 @@
                   </a:solidFill>
                 </a:uFill>
                 <a:latin typeface="Arial"/>
+                <a:ea typeface="DejaVu Sans"/>
               </a:rPr>
-              <a:t>Process is virtually the same  w/o </a:t>
+              <a:t>Its Running!</a:t>
             </a:r>
-            <a:r>
-              <a:rPr b="0" lang="en-US" sz="4400" spc="-1" strike="noStrike">
-                <a:solidFill>
-                  <a:srgbClr val="000000"/>
-                </a:solidFill>
-                <a:uFill>
-                  <a:solidFill>
-                    <a:srgbClr val="ffffff"/>
-                  </a:solidFill>
-                </a:uFill>
-                <a:latin typeface="Arial"/>
-              </a:rPr>
-              <a:t>
-</a:t>
-            </a:r>
-            <a:r>
-              <a:rPr b="0" lang="en-US" sz="4400" spc="-1" strike="noStrike">
-                <a:solidFill>
-                  <a:srgbClr val="000000"/>
-                </a:solidFill>
-                <a:uFill>
-                  <a:solidFill>
-                    <a:srgbClr val="ffffff"/>
-                  </a:solidFill>
-                </a:uFill>
-                <a:latin typeface="Arial"/>
-              </a:rPr>
-              <a:t>the sample project</a:t>
-            </a:r>
-            <a:endParaRPr b="0" lang="en-US" sz="4400" spc="-1" strike="noStrike">
+            <a:endParaRPr b="0" lang="en-US" sz="1800" spc="-1" strike="noStrike">
               <a:solidFill>
                 <a:srgbClr val="000000"/>
               </a:solidFill>
@@ -3671,7 +5333,7 @@
       </p:sp>
       <p:pic>
         <p:nvPicPr>
-          <p:cNvPr id="60" name="" descr=""/>
+          <p:cNvPr id="97" name="" descr=""/>
           <p:cNvPicPr/>
           <p:nvPr/>
         </p:nvPicPr>
@@ -3681,8 +5343,8 @@
         </p:blipFill>
         <p:spPr>
           <a:xfrm>
-            <a:off x="70200" y="1645920"/>
-            <a:ext cx="9948600" cy="734400"/>
+            <a:off x="1280160" y="2103120"/>
+            <a:ext cx="7104600" cy="4161240"/>
           </a:xfrm>
           <a:prstGeom prst="rect">
             <a:avLst/>
@@ -3692,129 +5354,6 @@
           </a:ln>
         </p:spPr>
       </p:pic>
-      <p:pic>
-        <p:nvPicPr>
-          <p:cNvPr id="61" name="" descr=""/>
-          <p:cNvPicPr/>
-          <p:nvPr/>
-        </p:nvPicPr>
-        <p:blipFill>
-          <a:blip r:embed="rId2"/>
-          <a:stretch/>
-        </p:blipFill>
-        <p:spPr>
-          <a:xfrm>
-            <a:off x="360" y="2468880"/>
-            <a:ext cx="10079640" cy="663840"/>
-          </a:xfrm>
-          <a:prstGeom prst="rect">
-            <a:avLst/>
-          </a:prstGeom>
-          <a:ln>
-            <a:noFill/>
-          </a:ln>
-        </p:spPr>
-      </p:pic>
-      <p:pic>
-        <p:nvPicPr>
-          <p:cNvPr id="62" name="" descr=""/>
-          <p:cNvPicPr/>
-          <p:nvPr/>
-        </p:nvPicPr>
-        <p:blipFill>
-          <a:blip r:embed="rId3"/>
-          <a:stretch/>
-        </p:blipFill>
-        <p:spPr>
-          <a:xfrm>
-            <a:off x="91440" y="3200400"/>
-            <a:ext cx="8438760" cy="2609640"/>
-          </a:xfrm>
-          <a:prstGeom prst="rect">
-            <a:avLst/>
-          </a:prstGeom>
-          <a:ln>
-            <a:noFill/>
-          </a:ln>
-        </p:spPr>
-      </p:pic>
-      <p:sp>
-        <p:nvSpPr>
-          <p:cNvPr id="63" name="TextShape 2"/>
-          <p:cNvSpPr txBox="1"/>
-          <p:nvPr/>
-        </p:nvSpPr>
-        <p:spPr>
-          <a:xfrm>
-            <a:off x="182880" y="6032520"/>
-            <a:ext cx="9327600" cy="602280"/>
-          </a:xfrm>
-          <a:prstGeom prst="rect">
-            <a:avLst/>
-          </a:prstGeom>
-          <a:noFill/>
-          <a:ln>
-            <a:noFill/>
-          </a:ln>
-        </p:spPr>
-        <p:txBody>
-          <a:bodyPr lIns="90000" rIns="90000" tIns="45000" bIns="45000"/>
-          <a:p>
-            <a:r>
-              <a:rPr b="0" lang="en-US" sz="1800" spc="-1" strike="noStrike">
-                <a:solidFill>
-                  <a:srgbClr val="000000"/>
-                </a:solidFill>
-                <a:uFill>
-                  <a:solidFill>
-                    <a:srgbClr val="ffffff"/>
-                  </a:solidFill>
-                </a:uFill>
-                <a:latin typeface="Arial"/>
-              </a:rPr>
-              <a:t>The Important bits here are the “Procfile” (next slide) and heroku create. Create will create </a:t>
-            </a:r>
-            <a:endParaRPr b="0" lang="en-US" sz="1800" spc="-1" strike="noStrike">
-              <a:solidFill>
-                <a:srgbClr val="000000"/>
-              </a:solidFill>
-              <a:uFill>
-                <a:solidFill>
-                  <a:srgbClr val="ffffff"/>
-                </a:solidFill>
-              </a:uFill>
-              <a:latin typeface="Arial"/>
-            </a:endParaRPr>
-          </a:p>
-          <a:p>
-            <a:r>
-              <a:rPr b="0" lang="en-US" sz="1800" spc="-1" strike="noStrike">
-                <a:solidFill>
-                  <a:srgbClr val="000000"/>
-                </a:solidFill>
-                <a:uFill>
-                  <a:solidFill>
-                    <a:srgbClr val="ffffff"/>
-                  </a:solidFill>
-                </a:uFill>
-                <a:latin typeface="Arial"/>
-              </a:rPr>
-              <a:t>A link for the app as well as a .git for it. </a:t>
-            </a:r>
-            <a:endParaRPr b="0" lang="en-US" sz="1800" spc="-1" strike="noStrike">
-              <a:solidFill>
-                <a:srgbClr val="000000"/>
-              </a:solidFill>
-              <a:uFill>
-                <a:solidFill>
-                  <a:srgbClr val="ffffff"/>
-                </a:solidFill>
-              </a:uFill>
-              <a:latin typeface="Arial"/>
-            </a:endParaRPr>
-          </a:p>
-        </p:txBody>
-      </p:sp>
     </p:spTree>
   </p:cSld>
   <p:timing>
@@ -4068,4 +5607,227 @@
     </a:fmtScheme>
   </a:themeElements>
 </a:theme>
+</file>
+
+<file path=ppt/theme/theme2.xml><?xml version="1.0" encoding="utf-8"?>
+<a:theme xmlns:a="http://schemas.openxmlformats.org/drawingml/2006/main" name="Office Theme">
+  <a:themeElements>
+    <a:clrScheme name="Office">
+      <a:dk1>
+        <a:sysClr val="windowText" lastClr="000000"/>
+      </a:dk1>
+      <a:lt1>
+        <a:sysClr val="window" lastClr="FFFFFF"/>
+      </a:lt1>
+      <a:dk2>
+        <a:srgbClr val="1F497D"/>
+      </a:dk2>
+      <a:lt2>
+        <a:srgbClr val="EEECE1"/>
+      </a:lt2>
+      <a:accent1>
+        <a:srgbClr val="4F81BD"/>
+      </a:accent1>
+      <a:accent2>
+        <a:srgbClr val="C0504D"/>
+      </a:accent2>
+      <a:accent3>
+        <a:srgbClr val="9BBB59"/>
+      </a:accent3>
+      <a:accent4>
+        <a:srgbClr val="8064A2"/>
+      </a:accent4>
+      <a:accent5>
+        <a:srgbClr val="4BACC6"/>
+      </a:accent5>
+      <a:accent6>
+        <a:srgbClr val="F79646"/>
+      </a:accent6>
+      <a:hlink>
+        <a:srgbClr val="0000FF"/>
+      </a:hlink>
+      <a:folHlink>
+        <a:srgbClr val="800080"/>
+      </a:folHlink>
+    </a:clrScheme>
+    <a:fontScheme name="Office">
+      <a:majorFont>
+        <a:latin typeface="Arial"/>
+        <a:ea typeface="DejaVu Sans"/>
+        <a:cs typeface="DejaVu Sans"/>
+      </a:majorFont>
+      <a:minorFont>
+        <a:latin typeface="Arial"/>
+        <a:ea typeface="DejaVu Sans"/>
+        <a:cs typeface="DejaVu Sans"/>
+      </a:minorFont>
+    </a:fontScheme>
+    <a:fmtScheme name="Office">
+      <a:fillStyleLst>
+        <a:solidFill>
+          <a:schemeClr val="phClr"/>
+        </a:solidFill>
+        <a:gradFill rotWithShape="1">
+          <a:gsLst>
+            <a:gs pos="0">
+              <a:schemeClr val="phClr">
+                <a:tint val="50000"/>
+                <a:satMod val="300000"/>
+              </a:schemeClr>
+            </a:gs>
+            <a:gs pos="35000">
+              <a:schemeClr val="phClr">
+                <a:tint val="37000"/>
+                <a:satMod val="300000"/>
+              </a:schemeClr>
+            </a:gs>
+            <a:gs pos="100000">
+              <a:schemeClr val="phClr">
+                <a:tint val="15000"/>
+                <a:satMod val="350000"/>
+              </a:schemeClr>
+            </a:gs>
+          </a:gsLst>
+          <a:lin ang="16200000" scaled="1"/>
+        </a:gradFill>
+        <a:gradFill rotWithShape="1">
+          <a:gsLst>
+            <a:gs pos="0">
+              <a:schemeClr val="phClr">
+                <a:shade val="51000"/>
+                <a:satMod val="130000"/>
+              </a:schemeClr>
+            </a:gs>
+            <a:gs pos="80000">
+              <a:schemeClr val="phClr">
+                <a:shade val="93000"/>
+                <a:satMod val="130000"/>
+              </a:schemeClr>
+            </a:gs>
+            <a:gs pos="100000">
+              <a:schemeClr val="phClr">
+                <a:shade val="94000"/>
+                <a:satMod val="135000"/>
+              </a:schemeClr>
+            </a:gs>
+          </a:gsLst>
+          <a:lin ang="16200000" scaled="0"/>
+        </a:gradFill>
+      </a:fillStyleLst>
+      <a:lnStyleLst>
+        <a:ln w="9525" cap="flat" cmpd="sng" algn="ctr">
+          <a:solidFill>
+            <a:schemeClr val="phClr">
+              <a:shade val="95000"/>
+              <a:satMod val="105000"/>
+            </a:schemeClr>
+          </a:solidFill>
+          <a:prstDash val="solid"/>
+        </a:ln>
+        <a:ln w="25400" cap="flat" cmpd="sng" algn="ctr">
+          <a:solidFill>
+            <a:schemeClr val="phClr"/>
+          </a:solidFill>
+          <a:prstDash val="solid"/>
+        </a:ln>
+        <a:ln w="38100" cap="flat" cmpd="sng" algn="ctr">
+          <a:solidFill>
+            <a:schemeClr val="phClr"/>
+          </a:solidFill>
+          <a:prstDash val="solid"/>
+        </a:ln>
+      </a:lnStyleLst>
+      <a:effectStyleLst>
+        <a:effectStyle>
+          <a:effectLst>
+            <a:outerShdw blurRad="40000" dist="20000" dir="5400000" rotWithShape="0">
+              <a:srgbClr val="000000">
+                <a:alpha val="38000"/>
+              </a:srgbClr>
+            </a:outerShdw>
+          </a:effectLst>
+        </a:effectStyle>
+        <a:effectStyle>
+          <a:effectLst>
+            <a:outerShdw blurRad="40000" dist="23000" dir="5400000" rotWithShape="0">
+              <a:srgbClr val="000000">
+                <a:alpha val="35000"/>
+              </a:srgbClr>
+            </a:outerShdw>
+          </a:effectLst>
+        </a:effectStyle>
+        <a:effectStyle>
+          <a:effectLst>
+            <a:outerShdw blurRad="40000" dist="23000" dir="5400000" rotWithShape="0">
+              <a:srgbClr val="000000">
+                <a:alpha val="35000"/>
+              </a:srgbClr>
+            </a:outerShdw>
+          </a:effectLst>
+          <a:scene3d>
+            <a:camera prst="orthographicFront">
+              <a:rot lat="0" lon="0" rev="0"/>
+            </a:camera>
+            <a:lightRig rig="threePt" dir="t">
+              <a:rot lat="0" lon="0" rev="1200000"/>
+            </a:lightRig>
+          </a:scene3d>
+          <a:sp3d>
+            <a:bevelT w="63500" h="25400"/>
+          </a:sp3d>
+        </a:effectStyle>
+      </a:effectStyleLst>
+      <a:bgFillStyleLst>
+        <a:solidFill>
+          <a:schemeClr val="phClr"/>
+        </a:solidFill>
+        <a:gradFill rotWithShape="1">
+          <a:gsLst>
+            <a:gs pos="0">
+              <a:schemeClr val="phClr">
+                <a:tint val="40000"/>
+                <a:satMod val="350000"/>
+              </a:schemeClr>
+            </a:gs>
+            <a:gs pos="40000">
+              <a:schemeClr val="phClr">
+                <a:tint val="45000"/>
+                <a:shade val="99000"/>
+                <a:satMod val="350000"/>
+              </a:schemeClr>
+            </a:gs>
+            <a:gs pos="100000">
+              <a:schemeClr val="phClr">
+                <a:shade val="20000"/>
+                <a:satMod val="255000"/>
+              </a:schemeClr>
+            </a:gs>
+          </a:gsLst>
+          <a:path path="circle">
+            <a:fillToRect l="50000" t="-80000" r="50000" b="180000"/>
+          </a:path>
+        </a:gradFill>
+        <a:gradFill rotWithShape="1">
+          <a:gsLst>
+            <a:gs pos="0">
+              <a:schemeClr val="phClr">
+                <a:tint val="80000"/>
+                <a:satMod val="300000"/>
+              </a:schemeClr>
+            </a:gs>
+            <a:gs pos="100000">
+              <a:schemeClr val="phClr">
+                <a:shade val="30000"/>
+                <a:satMod val="200000"/>
+              </a:schemeClr>
+            </a:gs>
+          </a:gsLst>
+          <a:path path="circle">
+            <a:fillToRect l="50000" t="50000" r="50000" b="50000"/>
+          </a:path>
+        </a:gradFill>
+      </a:bgFillStyleLst>
+    </a:fmtScheme>
+  </a:themeElements>
+</a:theme>
 </file>